--- a/300lv notes /cyb303/CYB 303 lect 1.pptx
+++ b/300lv notes /cyb303/CYB 303 lect 1.pptx
@@ -1,41 +1,41 @@
 
 <file path=ppt/presentation.xml><?xml version="1.0" encoding="utf-8"?>
-<p:presentation xmlns:a="http://schemas.openxmlformats.org/drawingml/2006/main" xmlns:r="http://schemas.openxmlformats.org/officeDocument/2006/relationships" xmlns:p="http://schemas.openxmlformats.org/presentationml/2006/main" saveSubsetFonts="1" autoCompressPictures="0">
+<p:presentation xmlns:a="http://schemas.openxmlformats.org/drawingml/2006/main" xmlns:r="http://schemas.openxmlformats.org/officeDocument/2006/relationships" xmlns:p="http://schemas.openxmlformats.org/presentationml/2006/main" autoCompressPictures="0">
   <p:sldMasterIdLst>
-    <p:sldMasterId id="2147483660" r:id="rId1"/>
+    <p:sldMasterId id="2147483648" r:id="rId1"/>
   </p:sldMasterIdLst>
   <p:sldIdLst>
-    <p:sldId id="256" r:id="rId2"/>
-    <p:sldId id="258" r:id="rId3"/>
-    <p:sldId id="282" r:id="rId4"/>
-    <p:sldId id="283" r:id="rId5"/>
-    <p:sldId id="259" r:id="rId6"/>
-    <p:sldId id="277" r:id="rId7"/>
-    <p:sldId id="278" r:id="rId8"/>
-    <p:sldId id="279" r:id="rId9"/>
-    <p:sldId id="280" r:id="rId10"/>
-    <p:sldId id="281" r:id="rId11"/>
-    <p:sldId id="260" r:id="rId12"/>
-    <p:sldId id="261" r:id="rId13"/>
-    <p:sldId id="262" r:id="rId14"/>
-    <p:sldId id="264" r:id="rId15"/>
-    <p:sldId id="263" r:id="rId16"/>
-    <p:sldId id="265" r:id="rId17"/>
-    <p:sldId id="266" r:id="rId18"/>
-    <p:sldId id="267" r:id="rId19"/>
-    <p:sldId id="268" r:id="rId20"/>
-    <p:sldId id="269" r:id="rId21"/>
-    <p:sldId id="270" r:id="rId22"/>
-    <p:sldId id="271" r:id="rId23"/>
-    <p:sldId id="273" r:id="rId24"/>
-    <p:sldId id="272" r:id="rId25"/>
-    <p:sldId id="285" r:id="rId26"/>
-    <p:sldId id="274" r:id="rId27"/>
-    <p:sldId id="286" r:id="rId28"/>
-    <p:sldId id="284" r:id="rId29"/>
-    <p:sldId id="275" r:id="rId30"/>
-    <p:sldId id="287" r:id="rId31"/>
-    <p:sldId id="276" r:id="rId32"/>
+    <p:sldId id="256" r:id="rId3"/>
+    <p:sldId id="258" r:id="rId4"/>
+    <p:sldId id="282" r:id="rId5"/>
+    <p:sldId id="283" r:id="rId6"/>
+    <p:sldId id="259" r:id="rId7"/>
+    <p:sldId id="277" r:id="rId8"/>
+    <p:sldId id="278" r:id="rId9"/>
+    <p:sldId id="279" r:id="rId10"/>
+    <p:sldId id="280" r:id="rId11"/>
+    <p:sldId id="281" r:id="rId12"/>
+    <p:sldId id="260" r:id="rId13"/>
+    <p:sldId id="261" r:id="rId14"/>
+    <p:sldId id="262" r:id="rId15"/>
+    <p:sldId id="264" r:id="rId16"/>
+    <p:sldId id="263" r:id="rId17"/>
+    <p:sldId id="265" r:id="rId18"/>
+    <p:sldId id="266" r:id="rId19"/>
+    <p:sldId id="267" r:id="rId20"/>
+    <p:sldId id="268" r:id="rId21"/>
+    <p:sldId id="269" r:id="rId22"/>
+    <p:sldId id="270" r:id="rId23"/>
+    <p:sldId id="271" r:id="rId24"/>
+    <p:sldId id="273" r:id="rId25"/>
+    <p:sldId id="272" r:id="rId26"/>
+    <p:sldId id="285" r:id="rId27"/>
+    <p:sldId id="274" r:id="rId28"/>
+    <p:sldId id="286" r:id="rId29"/>
+    <p:sldId id="284" r:id="rId30"/>
+    <p:sldId id="275" r:id="rId31"/>
+    <p:sldId id="287" r:id="rId32"/>
+    <p:sldId id="276" r:id="rId33"/>
   </p:sldIdLst>
   <p:sldSz cx="12192000" cy="6858000"/>
   <p:notesSz cx="6858000" cy="9144000"/>
@@ -134,11 +134,6 @@
       </a:defRPr>
     </a:lvl9pPr>
   </p:defaultTextStyle>
-  <p:extLst>
-    <p:ext uri="{EFAFB233-063F-42B5-8137-9DF3F51BA10A}">
-      <p15:sldGuideLst xmlns:p15="http://schemas.microsoft.com/office/powerpoint/2012/main"/>
-    </p:ext>
-  </p:extLst>
 </p:presentation>
 </file>
 
@@ -313,7 +308,6 @@
           <a:p>
             <a:fld id="{5CB79EFD-2A97-AB41-A951-8CBBBA95BF44}" type="datetimeFigureOut">
               <a:rPr lang="en-US" smtClean="0"/>
-              <a:t>10/19/23</a:t>
             </a:fld>
             <a:endParaRPr lang="en-US"/>
           </a:p>
@@ -355,18 +349,12 @@
           <a:p>
             <a:fld id="{5501FBBD-9496-D146-8264-58427E8AC81F}" type="slidenum">
               <a:rPr lang="en-US" smtClean="0"/>
-              <a:t>‹#›</a:t>
             </a:fld>
             <a:endParaRPr lang="en-US"/>
           </a:p>
         </p:txBody>
       </p:sp>
     </p:spTree>
-    <p:extLst>
-      <p:ext uri="{BB962C8B-B14F-4D97-AF65-F5344CB8AC3E}">
-        <p14:creationId xmlns:p14="http://schemas.microsoft.com/office/powerpoint/2010/main" val="933369991"/>
-      </p:ext>
-    </p:extLst>
   </p:cSld>
   <p:clrMapOvr>
     <a:masterClrMapping/>
@@ -605,6 +593,7 @@
               <a:rPr lang="en-GB"/>
               <a:t>Click to edit Master text styles</a:t>
             </a:r>
+            <a:endParaRPr lang="en-GB"/>
           </a:p>
         </p:txBody>
       </p:sp>
@@ -625,7 +614,6 @@
           <a:p>
             <a:fld id="{5CB79EFD-2A97-AB41-A951-8CBBBA95BF44}" type="datetimeFigureOut">
               <a:rPr lang="en-US" smtClean="0"/>
-              <a:t>10/19/23</a:t>
             </a:fld>
             <a:endParaRPr lang="en-US"/>
           </a:p>
@@ -667,18 +655,12 @@
           <a:p>
             <a:fld id="{5501FBBD-9496-D146-8264-58427E8AC81F}" type="slidenum">
               <a:rPr lang="en-US" smtClean="0"/>
-              <a:t>‹#›</a:t>
             </a:fld>
             <a:endParaRPr lang="en-US"/>
           </a:p>
         </p:txBody>
       </p:sp>
     </p:spTree>
-    <p:extLst>
-      <p:ext uri="{BB962C8B-B14F-4D97-AF65-F5344CB8AC3E}">
-        <p14:creationId xmlns:p14="http://schemas.microsoft.com/office/powerpoint/2010/main" val="3769219465"/>
-      </p:ext>
-    </p:extLst>
   </p:cSld>
   <p:clrMapOvr>
     <a:masterClrMapping/>
@@ -827,6 +809,7 @@
               <a:rPr lang="en-GB"/>
               <a:t>Click to edit Master text styles</a:t>
             </a:r>
+            <a:endParaRPr lang="en-GB"/>
           </a:p>
         </p:txBody>
       </p:sp>
@@ -847,7 +830,6 @@
           <a:p>
             <a:fld id="{5CB79EFD-2A97-AB41-A951-8CBBBA95BF44}" type="datetimeFigureOut">
               <a:rPr lang="en-US" smtClean="0"/>
-              <a:t>10/19/23</a:t>
             </a:fld>
             <a:endParaRPr lang="en-US"/>
           </a:p>
@@ -889,18 +871,12 @@
           <a:p>
             <a:fld id="{5501FBBD-9496-D146-8264-58427E8AC81F}" type="slidenum">
               <a:rPr lang="en-US" smtClean="0"/>
-              <a:t>‹#›</a:t>
             </a:fld>
             <a:endParaRPr lang="en-US"/>
           </a:p>
         </p:txBody>
       </p:sp>
     </p:spTree>
-    <p:extLst>
-      <p:ext uri="{BB962C8B-B14F-4D97-AF65-F5344CB8AC3E}">
-        <p14:creationId xmlns:p14="http://schemas.microsoft.com/office/powerpoint/2010/main" val="615448386"/>
-      </p:ext>
-    </p:extLst>
   </p:cSld>
   <p:clrMapOvr>
     <a:masterClrMapping/>
@@ -1051,6 +1027,7 @@
               <a:rPr lang="en-GB"/>
               <a:t>Click to edit Master text styles</a:t>
             </a:r>
+            <a:endParaRPr lang="en-GB"/>
           </a:p>
         </p:txBody>
       </p:sp>
@@ -1118,6 +1095,7 @@
               <a:rPr lang="en-GB"/>
               <a:t>Click to edit Master text styles</a:t>
             </a:r>
+            <a:endParaRPr lang="en-GB"/>
           </a:p>
         </p:txBody>
       </p:sp>
@@ -1138,7 +1116,6 @@
           <a:p>
             <a:fld id="{5CB79EFD-2A97-AB41-A951-8CBBBA95BF44}" type="datetimeFigureOut">
               <a:rPr lang="en-US" smtClean="0"/>
-              <a:t>10/19/23</a:t>
             </a:fld>
             <a:endParaRPr lang="en-US"/>
           </a:p>
@@ -1180,7 +1157,6 @@
           <a:p>
             <a:fld id="{5501FBBD-9496-D146-8264-58427E8AC81F}" type="slidenum">
               <a:rPr lang="en-US" smtClean="0"/>
-              <a:t>‹#›</a:t>
             </a:fld>
             <a:endParaRPr lang="en-US"/>
           </a:p>
@@ -1299,6 +1275,12 @@
               </a:rPr>
               <a:t>“</a:t>
             </a:r>
+            <a:endParaRPr lang="en-US" sz="8000" dirty="0">
+              <a:solidFill>
+                <a:schemeClr val="tx1"/>
+              </a:solidFill>
+              <a:effectLst/>
+            </a:endParaRPr>
           </a:p>
         </p:txBody>
       </p:sp>
@@ -1415,15 +1397,16 @@
               </a:rPr>
               <a:t>”</a:t>
             </a:r>
+            <a:endParaRPr lang="en-US" sz="8000" dirty="0">
+              <a:solidFill>
+                <a:schemeClr val="tx1"/>
+              </a:solidFill>
+              <a:effectLst/>
+            </a:endParaRPr>
           </a:p>
         </p:txBody>
       </p:sp>
     </p:spTree>
-    <p:extLst>
-      <p:ext uri="{BB962C8B-B14F-4D97-AF65-F5344CB8AC3E}">
-        <p14:creationId xmlns:p14="http://schemas.microsoft.com/office/powerpoint/2010/main" val="3676199461"/>
-      </p:ext>
-    </p:extLst>
   </p:cSld>
   <p:clrMapOvr>
     <a:masterClrMapping/>
@@ -1572,6 +1555,7 @@
               <a:rPr lang="en-GB"/>
               <a:t>Click to edit Master text styles</a:t>
             </a:r>
+            <a:endParaRPr lang="en-GB"/>
           </a:p>
         </p:txBody>
       </p:sp>
@@ -1592,7 +1576,6 @@
           <a:p>
             <a:fld id="{5CB79EFD-2A97-AB41-A951-8CBBBA95BF44}" type="datetimeFigureOut">
               <a:rPr lang="en-US" smtClean="0"/>
-              <a:t>10/19/23</a:t>
             </a:fld>
             <a:endParaRPr lang="en-US"/>
           </a:p>
@@ -1634,18 +1617,12 @@
           <a:p>
             <a:fld id="{5501FBBD-9496-D146-8264-58427E8AC81F}" type="slidenum">
               <a:rPr lang="en-US" smtClean="0"/>
-              <a:t>‹#›</a:t>
             </a:fld>
             <a:endParaRPr lang="en-US"/>
           </a:p>
         </p:txBody>
       </p:sp>
     </p:spTree>
-    <p:extLst>
-      <p:ext uri="{BB962C8B-B14F-4D97-AF65-F5344CB8AC3E}">
-        <p14:creationId xmlns:p14="http://schemas.microsoft.com/office/powerpoint/2010/main" val="2827388659"/>
-      </p:ext>
-    </p:extLst>
   </p:cSld>
   <p:clrMapOvr>
     <a:masterClrMapping/>
@@ -1799,6 +1776,7 @@
               <a:rPr lang="en-GB"/>
               <a:t>Click to edit Master text styles</a:t>
             </a:r>
+            <a:endParaRPr lang="en-GB"/>
           </a:p>
         </p:txBody>
       </p:sp>
@@ -1866,6 +1844,7 @@
               <a:rPr lang="en-GB"/>
               <a:t>Click to edit Master text styles</a:t>
             </a:r>
+            <a:endParaRPr lang="en-GB"/>
           </a:p>
         </p:txBody>
       </p:sp>
@@ -1940,6 +1919,7 @@
               <a:rPr lang="en-GB"/>
               <a:t>Click to edit Master text styles</a:t>
             </a:r>
+            <a:endParaRPr lang="en-GB"/>
           </a:p>
         </p:txBody>
       </p:sp>
@@ -2007,6 +1987,7 @@
               <a:rPr lang="en-GB"/>
               <a:t>Click to edit Master text styles</a:t>
             </a:r>
+            <a:endParaRPr lang="en-GB"/>
           </a:p>
         </p:txBody>
       </p:sp>
@@ -2081,6 +2062,7 @@
               <a:rPr lang="en-GB"/>
               <a:t>Click to edit Master text styles</a:t>
             </a:r>
+            <a:endParaRPr lang="en-GB"/>
           </a:p>
         </p:txBody>
       </p:sp>
@@ -2148,6 +2130,7 @@
               <a:rPr lang="en-GB"/>
               <a:t>Click to edit Master text styles</a:t>
             </a:r>
+            <a:endParaRPr lang="en-GB"/>
           </a:p>
         </p:txBody>
       </p:sp>
@@ -2168,7 +2151,6 @@
           <a:p>
             <a:fld id="{5CB79EFD-2A97-AB41-A951-8CBBBA95BF44}" type="datetimeFigureOut">
               <a:rPr lang="en-US" smtClean="0"/>
-              <a:t>10/19/23</a:t>
             </a:fld>
             <a:endParaRPr lang="en-US"/>
           </a:p>
@@ -2210,18 +2192,12 @@
           <a:p>
             <a:fld id="{5501FBBD-9496-D146-8264-58427E8AC81F}" type="slidenum">
               <a:rPr lang="en-US" smtClean="0"/>
-              <a:t>‹#›</a:t>
             </a:fld>
             <a:endParaRPr lang="en-US"/>
           </a:p>
         </p:txBody>
       </p:sp>
     </p:spTree>
-    <p:extLst>
-      <p:ext uri="{BB962C8B-B14F-4D97-AF65-F5344CB8AC3E}">
-        <p14:creationId xmlns:p14="http://schemas.microsoft.com/office/powerpoint/2010/main" val="3502593467"/>
-      </p:ext>
-    </p:extLst>
   </p:cSld>
   <p:clrMapOvr>
     <a:masterClrMapping/>
@@ -2375,6 +2351,7 @@
               <a:rPr lang="en-GB"/>
               <a:t>Click to edit Master text styles</a:t>
             </a:r>
+            <a:endParaRPr lang="en-GB"/>
           </a:p>
         </p:txBody>
       </p:sp>
@@ -2534,6 +2511,7 @@
               <a:rPr lang="en-GB"/>
               <a:t>Click to edit Master text styles</a:t>
             </a:r>
+            <a:endParaRPr lang="en-GB"/>
           </a:p>
         </p:txBody>
       </p:sp>
@@ -2608,6 +2586,7 @@
               <a:rPr lang="en-GB"/>
               <a:t>Click to edit Master text styles</a:t>
             </a:r>
+            <a:endParaRPr lang="en-GB"/>
           </a:p>
         </p:txBody>
       </p:sp>
@@ -2767,6 +2746,7 @@
               <a:rPr lang="en-GB"/>
               <a:t>Click to edit Master text styles</a:t>
             </a:r>
+            <a:endParaRPr lang="en-GB"/>
           </a:p>
         </p:txBody>
       </p:sp>
@@ -2841,6 +2821,7 @@
               <a:rPr lang="en-GB"/>
               <a:t>Click to edit Master text styles</a:t>
             </a:r>
+            <a:endParaRPr lang="en-GB"/>
           </a:p>
         </p:txBody>
       </p:sp>
@@ -3000,6 +2981,7 @@
               <a:rPr lang="en-GB"/>
               <a:t>Click to edit Master text styles</a:t>
             </a:r>
+            <a:endParaRPr lang="en-GB"/>
           </a:p>
         </p:txBody>
       </p:sp>
@@ -3020,7 +3002,6 @@
           <a:p>
             <a:fld id="{5CB79EFD-2A97-AB41-A951-8CBBBA95BF44}" type="datetimeFigureOut">
               <a:rPr lang="en-US" smtClean="0"/>
-              <a:t>10/19/23</a:t>
             </a:fld>
             <a:endParaRPr lang="en-US"/>
           </a:p>
@@ -3062,18 +3043,12 @@
           <a:p>
             <a:fld id="{5501FBBD-9496-D146-8264-58427E8AC81F}" type="slidenum">
               <a:rPr lang="en-US" smtClean="0"/>
-              <a:t>‹#›</a:t>
             </a:fld>
             <a:endParaRPr lang="en-US"/>
           </a:p>
         </p:txBody>
       </p:sp>
     </p:spTree>
-    <p:extLst>
-      <p:ext uri="{BB962C8B-B14F-4D97-AF65-F5344CB8AC3E}">
-        <p14:creationId xmlns:p14="http://schemas.microsoft.com/office/powerpoint/2010/main" val="2129449890"/>
-      </p:ext>
-    </p:extLst>
   </p:cSld>
   <p:clrMapOvr>
     <a:masterClrMapping/>
@@ -3176,6 +3151,7 @@
               <a:rPr lang="en-GB"/>
               <a:t>Click to edit Master text styles</a:t>
             </a:r>
+            <a:endParaRPr lang="en-GB"/>
           </a:p>
           <a:p>
             <a:pPr lvl="1"/>
@@ -3183,6 +3159,7 @@
               <a:rPr lang="en-GB"/>
               <a:t>Second level</a:t>
             </a:r>
+            <a:endParaRPr lang="en-GB"/>
           </a:p>
           <a:p>
             <a:pPr lvl="2"/>
@@ -3190,6 +3167,7 @@
               <a:rPr lang="en-GB"/>
               <a:t>Third level</a:t>
             </a:r>
+            <a:endParaRPr lang="en-GB"/>
           </a:p>
           <a:p>
             <a:pPr lvl="3"/>
@@ -3197,6 +3175,7 @@
               <a:rPr lang="en-GB"/>
               <a:t>Fourth level</a:t>
             </a:r>
+            <a:endParaRPr lang="en-GB"/>
           </a:p>
           <a:p>
             <a:pPr lvl="4"/>
@@ -3225,7 +3204,6 @@
           <a:p>
             <a:fld id="{5CB79EFD-2A97-AB41-A951-8CBBBA95BF44}" type="datetimeFigureOut">
               <a:rPr lang="en-US" smtClean="0"/>
-              <a:t>10/19/23</a:t>
             </a:fld>
             <a:endParaRPr lang="en-US"/>
           </a:p>
@@ -3267,18 +3245,12 @@
           <a:p>
             <a:fld id="{5501FBBD-9496-D146-8264-58427E8AC81F}" type="slidenum">
               <a:rPr lang="en-US" smtClean="0"/>
-              <a:t>‹#›</a:t>
             </a:fld>
             <a:endParaRPr lang="en-US"/>
           </a:p>
         </p:txBody>
       </p:sp>
     </p:spTree>
-    <p:extLst>
-      <p:ext uri="{BB962C8B-B14F-4D97-AF65-F5344CB8AC3E}">
-        <p14:creationId xmlns:p14="http://schemas.microsoft.com/office/powerpoint/2010/main" val="1319116522"/>
-      </p:ext>
-    </p:extLst>
   </p:cSld>
   <p:clrMapOvr>
     <a:masterClrMapping/>
@@ -3390,6 +3362,7 @@
               <a:rPr lang="en-GB"/>
               <a:t>Click to edit Master text styles</a:t>
             </a:r>
+            <a:endParaRPr lang="en-GB"/>
           </a:p>
           <a:p>
             <a:pPr lvl="1"/>
@@ -3397,6 +3370,7 @@
               <a:rPr lang="en-GB"/>
               <a:t>Second level</a:t>
             </a:r>
+            <a:endParaRPr lang="en-GB"/>
           </a:p>
           <a:p>
             <a:pPr lvl="2"/>
@@ -3404,6 +3378,7 @@
               <a:rPr lang="en-GB"/>
               <a:t>Third level</a:t>
             </a:r>
+            <a:endParaRPr lang="en-GB"/>
           </a:p>
           <a:p>
             <a:pPr lvl="3"/>
@@ -3411,6 +3386,7 @@
               <a:rPr lang="en-GB"/>
               <a:t>Fourth level</a:t>
             </a:r>
+            <a:endParaRPr lang="en-GB"/>
           </a:p>
           <a:p>
             <a:pPr lvl="4"/>
@@ -3439,7 +3415,6 @@
           <a:p>
             <a:fld id="{5CB79EFD-2A97-AB41-A951-8CBBBA95BF44}" type="datetimeFigureOut">
               <a:rPr lang="en-US" smtClean="0"/>
-              <a:t>10/19/23</a:t>
             </a:fld>
             <a:endParaRPr lang="en-US"/>
           </a:p>
@@ -3481,18 +3456,12 @@
           <a:p>
             <a:fld id="{5501FBBD-9496-D146-8264-58427E8AC81F}" type="slidenum">
               <a:rPr lang="en-US" smtClean="0"/>
-              <a:t>‹#›</a:t>
             </a:fld>
             <a:endParaRPr lang="en-US"/>
           </a:p>
         </p:txBody>
       </p:sp>
     </p:spTree>
-    <p:extLst>
-      <p:ext uri="{BB962C8B-B14F-4D97-AF65-F5344CB8AC3E}">
-        <p14:creationId xmlns:p14="http://schemas.microsoft.com/office/powerpoint/2010/main" val="2849859291"/>
-      </p:ext>
-    </p:extLst>
   </p:cSld>
   <p:clrMapOvr>
     <a:masterClrMapping/>
@@ -3570,6 +3539,7 @@
               <a:rPr lang="en-GB"/>
               <a:t>Click to edit Master text styles</a:t>
             </a:r>
+            <a:endParaRPr lang="en-GB"/>
           </a:p>
           <a:p>
             <a:pPr lvl="1"/>
@@ -3577,6 +3547,7 @@
               <a:rPr lang="en-GB"/>
               <a:t>Second level</a:t>
             </a:r>
+            <a:endParaRPr lang="en-GB"/>
           </a:p>
           <a:p>
             <a:pPr lvl="2"/>
@@ -3584,6 +3555,7 @@
               <a:rPr lang="en-GB"/>
               <a:t>Third level</a:t>
             </a:r>
+            <a:endParaRPr lang="en-GB"/>
           </a:p>
           <a:p>
             <a:pPr lvl="3"/>
@@ -3591,6 +3563,7 @@
               <a:rPr lang="en-GB"/>
               <a:t>Fourth level</a:t>
             </a:r>
+            <a:endParaRPr lang="en-GB"/>
           </a:p>
           <a:p>
             <a:pPr lvl="4"/>
@@ -3619,8 +3592,6 @@
           <a:p>
             <a:fld id="{C259A7B8-0EC4-44C9-AFEF-25E144F11C06}" type="datetime1">
               <a:rPr lang="en-US" smtClean="0"/>
-              <a:pPr/>
-              <a:t>10/19/23</a:t>
             </a:fld>
             <a:endParaRPr lang="en-US"/>
           </a:p>
@@ -3742,19 +3713,12 @@
           <a:p>
             <a:fld id="{FA84A37A-AFC2-4A01-80A1-FC20F2C0D5BB}" type="slidenum">
               <a:rPr lang="en-US" smtClean="0"/>
-              <a:pPr/>
-              <a:t>‹#›</a:t>
             </a:fld>
             <a:endParaRPr lang="en-US"/>
           </a:p>
         </p:txBody>
       </p:sp>
     </p:spTree>
-    <p:extLst>
-      <p:ext uri="{BB962C8B-B14F-4D97-AF65-F5344CB8AC3E}">
-        <p14:creationId xmlns:p14="http://schemas.microsoft.com/office/powerpoint/2010/main" val="3526361200"/>
-      </p:ext>
-    </p:extLst>
   </p:cSld>
   <p:clrMapOvr>
     <a:masterClrMapping/>
@@ -3857,6 +3821,7 @@
               <a:rPr lang="en-GB"/>
               <a:t>Click to edit Master text styles</a:t>
             </a:r>
+            <a:endParaRPr lang="en-GB"/>
           </a:p>
           <a:p>
             <a:pPr lvl="1"/>
@@ -3864,6 +3829,7 @@
               <a:rPr lang="en-GB"/>
               <a:t>Second level</a:t>
             </a:r>
+            <a:endParaRPr lang="en-GB"/>
           </a:p>
           <a:p>
             <a:pPr lvl="2"/>
@@ -3871,6 +3837,7 @@
               <a:rPr lang="en-GB"/>
               <a:t>Third level</a:t>
             </a:r>
+            <a:endParaRPr lang="en-GB"/>
           </a:p>
           <a:p>
             <a:pPr lvl="3"/>
@@ -3878,6 +3845,7 @@
               <a:rPr lang="en-GB"/>
               <a:t>Fourth level</a:t>
             </a:r>
+            <a:endParaRPr lang="en-GB"/>
           </a:p>
           <a:p>
             <a:pPr lvl="4"/>
@@ -3906,7 +3874,6 @@
           <a:p>
             <a:fld id="{5CB79EFD-2A97-AB41-A951-8CBBBA95BF44}" type="datetimeFigureOut">
               <a:rPr lang="en-US" smtClean="0"/>
-              <a:t>10/19/23</a:t>
             </a:fld>
             <a:endParaRPr lang="en-US"/>
           </a:p>
@@ -3948,18 +3915,12 @@
           <a:p>
             <a:fld id="{5501FBBD-9496-D146-8264-58427E8AC81F}" type="slidenum">
               <a:rPr lang="en-US" smtClean="0"/>
-              <a:t>‹#›</a:t>
             </a:fld>
             <a:endParaRPr lang="en-US"/>
           </a:p>
         </p:txBody>
       </p:sp>
     </p:spTree>
-    <p:extLst>
-      <p:ext uri="{BB962C8B-B14F-4D97-AF65-F5344CB8AC3E}">
-        <p14:creationId xmlns:p14="http://schemas.microsoft.com/office/powerpoint/2010/main" val="1049918408"/>
-      </p:ext>
-    </p:extLst>
   </p:cSld>
   <p:clrMapOvr>
     <a:masterClrMapping/>
@@ -4166,6 +4127,7 @@
               <a:rPr lang="en-GB"/>
               <a:t>Click to edit Master text styles</a:t>
             </a:r>
+            <a:endParaRPr lang="en-GB"/>
           </a:p>
         </p:txBody>
       </p:sp>
@@ -4186,7 +4148,6 @@
           <a:p>
             <a:fld id="{5CB79EFD-2A97-AB41-A951-8CBBBA95BF44}" type="datetimeFigureOut">
               <a:rPr lang="en-US" smtClean="0"/>
-              <a:t>10/19/23</a:t>
             </a:fld>
             <a:endParaRPr lang="en-US"/>
           </a:p>
@@ -4228,18 +4189,12 @@
           <a:p>
             <a:fld id="{5501FBBD-9496-D146-8264-58427E8AC81F}" type="slidenum">
               <a:rPr lang="en-US" smtClean="0"/>
-              <a:t>‹#›</a:t>
             </a:fld>
             <a:endParaRPr lang="en-US"/>
           </a:p>
         </p:txBody>
       </p:sp>
     </p:spTree>
-    <p:extLst>
-      <p:ext uri="{BB962C8B-B14F-4D97-AF65-F5344CB8AC3E}">
-        <p14:creationId xmlns:p14="http://schemas.microsoft.com/office/powerpoint/2010/main" val="1670533083"/>
-      </p:ext>
-    </p:extLst>
   </p:cSld>
   <p:clrMapOvr>
     <a:masterClrMapping/>
@@ -4347,6 +4302,7 @@
               <a:rPr lang="en-GB"/>
               <a:t>Click to edit Master text styles</a:t>
             </a:r>
+            <a:endParaRPr lang="en-GB"/>
           </a:p>
           <a:p>
             <a:pPr lvl="1"/>
@@ -4354,6 +4310,7 @@
               <a:rPr lang="en-GB"/>
               <a:t>Second level</a:t>
             </a:r>
+            <a:endParaRPr lang="en-GB"/>
           </a:p>
           <a:p>
             <a:pPr lvl="2"/>
@@ -4361,6 +4318,7 @@
               <a:rPr lang="en-GB"/>
               <a:t>Third level</a:t>
             </a:r>
+            <a:endParaRPr lang="en-GB"/>
           </a:p>
           <a:p>
             <a:pPr lvl="3"/>
@@ -4368,6 +4326,7 @@
               <a:rPr lang="en-GB"/>
               <a:t>Fourth level</a:t>
             </a:r>
+            <a:endParaRPr lang="en-GB"/>
           </a:p>
           <a:p>
             <a:pPr lvl="4"/>
@@ -4404,6 +4363,7 @@
               <a:rPr lang="en-GB"/>
               <a:t>Click to edit Master text styles</a:t>
             </a:r>
+            <a:endParaRPr lang="en-GB"/>
           </a:p>
           <a:p>
             <a:pPr lvl="1"/>
@@ -4411,6 +4371,7 @@
               <a:rPr lang="en-GB"/>
               <a:t>Second level</a:t>
             </a:r>
+            <a:endParaRPr lang="en-GB"/>
           </a:p>
           <a:p>
             <a:pPr lvl="2"/>
@@ -4418,6 +4379,7 @@
               <a:rPr lang="en-GB"/>
               <a:t>Third level</a:t>
             </a:r>
+            <a:endParaRPr lang="en-GB"/>
           </a:p>
           <a:p>
             <a:pPr lvl="3"/>
@@ -4425,6 +4387,7 @@
               <a:rPr lang="en-GB"/>
               <a:t>Fourth level</a:t>
             </a:r>
+            <a:endParaRPr lang="en-GB"/>
           </a:p>
           <a:p>
             <a:pPr lvl="4"/>
@@ -4453,7 +4416,6 @@
           <a:p>
             <a:fld id="{5CB79EFD-2A97-AB41-A951-8CBBBA95BF44}" type="datetimeFigureOut">
               <a:rPr lang="en-US" smtClean="0"/>
-              <a:t>10/19/23</a:t>
             </a:fld>
             <a:endParaRPr lang="en-US"/>
           </a:p>
@@ -4495,18 +4457,12 @@
           <a:p>
             <a:fld id="{5501FBBD-9496-D146-8264-58427E8AC81F}" type="slidenum">
               <a:rPr lang="en-US" smtClean="0"/>
-              <a:t>‹#›</a:t>
             </a:fld>
             <a:endParaRPr lang="en-US"/>
           </a:p>
         </p:txBody>
       </p:sp>
     </p:spTree>
-    <p:extLst>
-      <p:ext uri="{BB962C8B-B14F-4D97-AF65-F5344CB8AC3E}">
-        <p14:creationId xmlns:p14="http://schemas.microsoft.com/office/powerpoint/2010/main" val="1056320390"/>
-      </p:ext>
-    </p:extLst>
   </p:cSld>
   <p:clrMapOvr>
     <a:masterClrMapping/>
@@ -4660,6 +4616,7 @@
               <a:rPr lang="en-GB"/>
               <a:t>Click to edit Master text styles</a:t>
             </a:r>
+            <a:endParaRPr lang="en-GB"/>
           </a:p>
         </p:txBody>
       </p:sp>
@@ -4688,6 +4645,7 @@
               <a:rPr lang="en-GB"/>
               <a:t>Click to edit Master text styles</a:t>
             </a:r>
+            <a:endParaRPr lang="en-GB"/>
           </a:p>
           <a:p>
             <a:pPr lvl="1"/>
@@ -4695,6 +4653,7 @@
               <a:rPr lang="en-GB"/>
               <a:t>Second level</a:t>
             </a:r>
+            <a:endParaRPr lang="en-GB"/>
           </a:p>
           <a:p>
             <a:pPr lvl="2"/>
@@ -4702,6 +4661,7 @@
               <a:rPr lang="en-GB"/>
               <a:t>Third level</a:t>
             </a:r>
+            <a:endParaRPr lang="en-GB"/>
           </a:p>
           <a:p>
             <a:pPr lvl="3"/>
@@ -4709,6 +4669,7 @@
               <a:rPr lang="en-GB"/>
               <a:t>Fourth level</a:t>
             </a:r>
+            <a:endParaRPr lang="en-GB"/>
           </a:p>
           <a:p>
             <a:pPr lvl="4"/>
@@ -4791,6 +4752,7 @@
               <a:rPr lang="en-GB"/>
               <a:t>Click to edit Master text styles</a:t>
             </a:r>
+            <a:endParaRPr lang="en-GB"/>
           </a:p>
         </p:txBody>
       </p:sp>
@@ -4819,6 +4781,7 @@
               <a:rPr lang="en-GB"/>
               <a:t>Click to edit Master text styles</a:t>
             </a:r>
+            <a:endParaRPr lang="en-GB"/>
           </a:p>
           <a:p>
             <a:pPr lvl="1"/>
@@ -4826,6 +4789,7 @@
               <a:rPr lang="en-GB"/>
               <a:t>Second level</a:t>
             </a:r>
+            <a:endParaRPr lang="en-GB"/>
           </a:p>
           <a:p>
             <a:pPr lvl="2"/>
@@ -4833,6 +4797,7 @@
               <a:rPr lang="en-GB"/>
               <a:t>Third level</a:t>
             </a:r>
+            <a:endParaRPr lang="en-GB"/>
           </a:p>
           <a:p>
             <a:pPr lvl="3"/>
@@ -4840,6 +4805,7 @@
               <a:rPr lang="en-GB"/>
               <a:t>Fourth level</a:t>
             </a:r>
+            <a:endParaRPr lang="en-GB"/>
           </a:p>
           <a:p>
             <a:pPr lvl="4"/>
@@ -4868,7 +4834,6 @@
           <a:p>
             <a:fld id="{5CB79EFD-2A97-AB41-A951-8CBBBA95BF44}" type="datetimeFigureOut">
               <a:rPr lang="en-US" smtClean="0"/>
-              <a:t>10/19/23</a:t>
             </a:fld>
             <a:endParaRPr lang="en-US"/>
           </a:p>
@@ -4910,18 +4875,12 @@
           <a:p>
             <a:fld id="{5501FBBD-9496-D146-8264-58427E8AC81F}" type="slidenum">
               <a:rPr lang="en-US" smtClean="0"/>
-              <a:t>‹#›</a:t>
             </a:fld>
             <a:endParaRPr lang="en-US"/>
           </a:p>
         </p:txBody>
       </p:sp>
     </p:spTree>
-    <p:extLst>
-      <p:ext uri="{BB962C8B-B14F-4D97-AF65-F5344CB8AC3E}">
-        <p14:creationId xmlns:p14="http://schemas.microsoft.com/office/powerpoint/2010/main" val="1157041765"/>
-      </p:ext>
-    </p:extLst>
   </p:cSld>
   <p:clrMapOvr>
     <a:masterClrMapping/>
@@ -5016,7 +4975,6 @@
           <a:p>
             <a:fld id="{5CB79EFD-2A97-AB41-A951-8CBBBA95BF44}" type="datetimeFigureOut">
               <a:rPr lang="en-US" smtClean="0"/>
-              <a:t>10/19/23</a:t>
             </a:fld>
             <a:endParaRPr lang="en-US"/>
           </a:p>
@@ -5058,18 +5016,12 @@
           <a:p>
             <a:fld id="{5501FBBD-9496-D146-8264-58427E8AC81F}" type="slidenum">
               <a:rPr lang="en-US" smtClean="0"/>
-              <a:t>‹#›</a:t>
             </a:fld>
             <a:endParaRPr lang="en-US"/>
           </a:p>
         </p:txBody>
       </p:sp>
     </p:spTree>
-    <p:extLst>
-      <p:ext uri="{BB962C8B-B14F-4D97-AF65-F5344CB8AC3E}">
-        <p14:creationId xmlns:p14="http://schemas.microsoft.com/office/powerpoint/2010/main" val="2302649790"/>
-      </p:ext>
-    </p:extLst>
   </p:cSld>
   <p:clrMapOvr>
     <a:masterClrMapping/>
@@ -5141,7 +5093,6 @@
           <a:p>
             <a:fld id="{5CB79EFD-2A97-AB41-A951-8CBBBA95BF44}" type="datetimeFigureOut">
               <a:rPr lang="en-US" smtClean="0"/>
-              <a:t>10/19/23</a:t>
             </a:fld>
             <a:endParaRPr lang="en-US"/>
           </a:p>
@@ -5183,18 +5134,12 @@
           <a:p>
             <a:fld id="{5501FBBD-9496-D146-8264-58427E8AC81F}" type="slidenum">
               <a:rPr lang="en-US" smtClean="0"/>
-              <a:t>‹#›</a:t>
             </a:fld>
             <a:endParaRPr lang="en-US"/>
           </a:p>
         </p:txBody>
       </p:sp>
     </p:spTree>
-    <p:extLst>
-      <p:ext uri="{BB962C8B-B14F-4D97-AF65-F5344CB8AC3E}">
-        <p14:creationId xmlns:p14="http://schemas.microsoft.com/office/powerpoint/2010/main" val="2296421960"/>
-      </p:ext>
-    </p:extLst>
   </p:cSld>
   <p:clrMapOvr>
     <a:masterClrMapping/>
@@ -5306,6 +5251,7 @@
               <a:rPr lang="en-GB"/>
               <a:t>Click to edit Master text styles</a:t>
             </a:r>
+            <a:endParaRPr lang="en-GB"/>
           </a:p>
           <a:p>
             <a:pPr lvl="1"/>
@@ -5313,6 +5259,7 @@
               <a:rPr lang="en-GB"/>
               <a:t>Second level</a:t>
             </a:r>
+            <a:endParaRPr lang="en-GB"/>
           </a:p>
           <a:p>
             <a:pPr lvl="2"/>
@@ -5320,6 +5267,7 @@
               <a:rPr lang="en-GB"/>
               <a:t>Third level</a:t>
             </a:r>
+            <a:endParaRPr lang="en-GB"/>
           </a:p>
           <a:p>
             <a:pPr lvl="3"/>
@@ -5327,6 +5275,7 @@
               <a:rPr lang="en-GB"/>
               <a:t>Fourth level</a:t>
             </a:r>
+            <a:endParaRPr lang="en-GB"/>
           </a:p>
           <a:p>
             <a:pPr lvl="4"/>
@@ -5400,6 +5349,7 @@
               <a:rPr lang="en-GB"/>
               <a:t>Click to edit Master text styles</a:t>
             </a:r>
+            <a:endParaRPr lang="en-GB"/>
           </a:p>
         </p:txBody>
       </p:sp>
@@ -5420,7 +5370,6 @@
           <a:p>
             <a:fld id="{5CB79EFD-2A97-AB41-A951-8CBBBA95BF44}" type="datetimeFigureOut">
               <a:rPr lang="en-US" smtClean="0"/>
-              <a:t>10/19/23</a:t>
             </a:fld>
             <a:endParaRPr lang="en-US"/>
           </a:p>
@@ -5462,18 +5411,12 @@
           <a:p>
             <a:fld id="{5501FBBD-9496-D146-8264-58427E8AC81F}" type="slidenum">
               <a:rPr lang="en-US" smtClean="0"/>
-              <a:t>‹#›</a:t>
             </a:fld>
             <a:endParaRPr lang="en-US"/>
           </a:p>
         </p:txBody>
       </p:sp>
     </p:spTree>
-    <p:extLst>
-      <p:ext uri="{BB962C8B-B14F-4D97-AF65-F5344CB8AC3E}">
-        <p14:creationId xmlns:p14="http://schemas.microsoft.com/office/powerpoint/2010/main" val="232644203"/>
-      </p:ext>
-    </p:extLst>
   </p:cSld>
   <p:clrMapOvr>
     <a:masterClrMapping/>
@@ -5712,6 +5655,7 @@
               <a:rPr lang="en-GB"/>
               <a:t>Click to edit Master text styles</a:t>
             </a:r>
+            <a:endParaRPr lang="en-GB"/>
           </a:p>
         </p:txBody>
       </p:sp>
@@ -5732,7 +5676,6 @@
           <a:p>
             <a:fld id="{5CB79EFD-2A97-AB41-A951-8CBBBA95BF44}" type="datetimeFigureOut">
               <a:rPr lang="en-US" smtClean="0"/>
-              <a:t>10/19/23</a:t>
             </a:fld>
             <a:endParaRPr lang="en-US"/>
           </a:p>
@@ -5774,18 +5717,12 @@
           <a:p>
             <a:fld id="{5501FBBD-9496-D146-8264-58427E8AC81F}" type="slidenum">
               <a:rPr lang="en-US" smtClean="0"/>
-              <a:t>‹#›</a:t>
             </a:fld>
             <a:endParaRPr lang="en-US"/>
           </a:p>
         </p:txBody>
       </p:sp>
     </p:spTree>
-    <p:extLst>
-      <p:ext uri="{BB962C8B-B14F-4D97-AF65-F5344CB8AC3E}">
-        <p14:creationId xmlns:p14="http://schemas.microsoft.com/office/powerpoint/2010/main" val="490223541"/>
-      </p:ext>
-    </p:extLst>
   </p:cSld>
   <p:clrMapOvr>
     <a:masterClrMapping/>
@@ -5824,8 +5761,7 @@
           <p:nvPr/>
         </p:nvPicPr>
         <p:blipFill>
-          <a:blip r:embed="rId20">
-            <a:alphaModFix/>
+          <a:blip r:embed="rId19">
             <a:extLst>
               <a:ext uri="{28A0092B-C50C-407E-A947-70E740481C1C}">
                 <a14:useLocalDpi xmlns:a14="http://schemas.microsoft.com/office/drawing/2010/main" val="0"/>
@@ -5920,6 +5856,7 @@
               <a:rPr lang="en-GB"/>
               <a:t>Click to edit Master text styles</a:t>
             </a:r>
+            <a:endParaRPr lang="en-GB"/>
           </a:p>
           <a:p>
             <a:pPr lvl="1"/>
@@ -5927,6 +5864,7 @@
               <a:rPr lang="en-GB"/>
               <a:t>Second level</a:t>
             </a:r>
+            <a:endParaRPr lang="en-GB"/>
           </a:p>
           <a:p>
             <a:pPr lvl="2"/>
@@ -5934,6 +5872,7 @@
               <a:rPr lang="en-GB"/>
               <a:t>Third level</a:t>
             </a:r>
+            <a:endParaRPr lang="en-GB"/>
           </a:p>
           <a:p>
             <a:pPr lvl="3"/>
@@ -5941,6 +5880,7 @@
               <a:rPr lang="en-GB"/>
               <a:t>Fourth level</a:t>
             </a:r>
+            <a:endParaRPr lang="en-GB"/>
           </a:p>
           <a:p>
             <a:pPr lvl="4"/>
@@ -5985,7 +5925,6 @@
           <a:p>
             <a:fld id="{5CB79EFD-2A97-AB41-A951-8CBBBA95BF44}" type="datetimeFigureOut">
               <a:rPr lang="en-US" smtClean="0"/>
-              <a:t>10/19/23</a:t>
             </a:fld>
             <a:endParaRPr lang="en-US"/>
           </a:p>
@@ -6059,39 +5998,33 @@
           <a:p>
             <a:fld id="{5501FBBD-9496-D146-8264-58427E8AC81F}" type="slidenum">
               <a:rPr lang="en-US" smtClean="0"/>
-              <a:t>‹#›</a:t>
             </a:fld>
             <a:endParaRPr lang="en-US"/>
           </a:p>
         </p:txBody>
       </p:sp>
     </p:spTree>
-    <p:extLst>
-      <p:ext uri="{BB962C8B-B14F-4D97-AF65-F5344CB8AC3E}">
-        <p14:creationId xmlns:p14="http://schemas.microsoft.com/office/powerpoint/2010/main" val="847517783"/>
-      </p:ext>
-    </p:extLst>
   </p:cSld>
   <p:clrMap bg1="lt1" tx1="dk1" bg2="lt2" tx2="dk2" accent1="accent1" accent2="accent2" accent3="accent3" accent4="accent4" accent5="accent5" accent6="accent6" hlink="hlink" folHlink="folHlink"/>
   <p:sldLayoutIdLst>
-    <p:sldLayoutId id="2147483661" r:id="rId1"/>
-    <p:sldLayoutId id="2147483662" r:id="rId2"/>
-    <p:sldLayoutId id="2147483663" r:id="rId3"/>
-    <p:sldLayoutId id="2147483664" r:id="rId4"/>
-    <p:sldLayoutId id="2147483665" r:id="rId5"/>
-    <p:sldLayoutId id="2147483666" r:id="rId6"/>
-    <p:sldLayoutId id="2147483667" r:id="rId7"/>
-    <p:sldLayoutId id="2147483668" r:id="rId8"/>
-    <p:sldLayoutId id="2147483669" r:id="rId9"/>
-    <p:sldLayoutId id="2147483670" r:id="rId10"/>
-    <p:sldLayoutId id="2147483671" r:id="rId11"/>
-    <p:sldLayoutId id="2147483672" r:id="rId12"/>
-    <p:sldLayoutId id="2147483673" r:id="rId13"/>
-    <p:sldLayoutId id="2147483674" r:id="rId14"/>
-    <p:sldLayoutId id="2147483675" r:id="rId15"/>
-    <p:sldLayoutId id="2147483676" r:id="rId16"/>
-    <p:sldLayoutId id="2147483677" r:id="rId17"/>
-    <p:sldLayoutId id="2147483678" r:id="rId18"/>
+    <p:sldLayoutId id="2147483649" r:id="rId1"/>
+    <p:sldLayoutId id="2147483650" r:id="rId2"/>
+    <p:sldLayoutId id="2147483651" r:id="rId3"/>
+    <p:sldLayoutId id="2147483652" r:id="rId4"/>
+    <p:sldLayoutId id="2147483653" r:id="rId5"/>
+    <p:sldLayoutId id="2147483654" r:id="rId6"/>
+    <p:sldLayoutId id="2147483655" r:id="rId7"/>
+    <p:sldLayoutId id="2147483656" r:id="rId8"/>
+    <p:sldLayoutId id="2147483657" r:id="rId9"/>
+    <p:sldLayoutId id="2147483658" r:id="rId10"/>
+    <p:sldLayoutId id="2147483659" r:id="rId11"/>
+    <p:sldLayoutId id="2147483660" r:id="rId12"/>
+    <p:sldLayoutId id="2147483661" r:id="rId13"/>
+    <p:sldLayoutId id="2147483662" r:id="rId14"/>
+    <p:sldLayoutId id="2147483663" r:id="rId15"/>
+    <p:sldLayoutId id="2147483664" r:id="rId16"/>
+    <p:sldLayoutId id="2147483665" r:id="rId17"/>
+    <p:sldLayoutId id="2147483666" r:id="rId18"/>
   </p:sldLayoutIdLst>
   <p:txStyles>
     <p:titleStyle>
@@ -6125,7 +6058,7 @@
         <a:buClr>
           <a:schemeClr val="tx1"/>
         </a:buClr>
-        <a:buFont typeface="Arial" panose="020B0604020202020204" pitchFamily="34" charset="0"/>
+        <a:buFont typeface="Arial" panose="02080604020202020204" pitchFamily="34" charset="0"/>
         <a:buChar char="•"/>
         <a:defRPr sz="2000" kern="1200" cap="all" baseline="0">
           <a:solidFill>
@@ -6147,7 +6080,7 @@
         <a:buClr>
           <a:schemeClr val="tx1"/>
         </a:buClr>
-        <a:buFont typeface="Arial" panose="020B0604020202020204" pitchFamily="34" charset="0"/>
+        <a:buFont typeface="Arial" panose="02080604020202020204" pitchFamily="34" charset="0"/>
         <a:buChar char="•"/>
         <a:defRPr sz="1800" kern="1200" cap="all" baseline="0">
           <a:solidFill>
@@ -6169,7 +6102,7 @@
         <a:buClr>
           <a:schemeClr val="tx1"/>
         </a:buClr>
-        <a:buFont typeface="Arial" panose="020B0604020202020204" pitchFamily="34" charset="0"/>
+        <a:buFont typeface="Arial" panose="02080604020202020204" pitchFamily="34" charset="0"/>
         <a:buChar char="•"/>
         <a:defRPr sz="1600" kern="1200" cap="all" baseline="0">
           <a:solidFill>
@@ -6191,7 +6124,7 @@
         <a:buClr>
           <a:schemeClr val="tx1"/>
         </a:buClr>
-        <a:buFont typeface="Arial" panose="020B0604020202020204" pitchFamily="34" charset="0"/>
+        <a:buFont typeface="Arial" panose="02080604020202020204" pitchFamily="34" charset="0"/>
         <a:buChar char="•"/>
         <a:defRPr sz="1400" kern="1200" cap="all" baseline="0">
           <a:solidFill>
@@ -6213,7 +6146,7 @@
         <a:buClr>
           <a:schemeClr val="tx1"/>
         </a:buClr>
-        <a:buFont typeface="Arial" panose="020B0604020202020204" pitchFamily="34" charset="0"/>
+        <a:buFont typeface="Arial" panose="02080604020202020204" pitchFamily="34" charset="0"/>
         <a:buChar char="•"/>
         <a:defRPr sz="1400" kern="1200" cap="all" baseline="0">
           <a:solidFill>
@@ -6235,7 +6168,7 @@
         <a:buClr>
           <a:schemeClr val="tx1"/>
         </a:buClr>
-        <a:buFont typeface="Arial" panose="020B0604020202020204" pitchFamily="34" charset="0"/>
+        <a:buFont typeface="Arial" panose="02080604020202020204" pitchFamily="34" charset="0"/>
         <a:buChar char="•"/>
         <a:defRPr sz="1400" kern="1200" cap="all" baseline="0">
           <a:solidFill>
@@ -6257,7 +6190,7 @@
         <a:buClr>
           <a:schemeClr val="tx1"/>
         </a:buClr>
-        <a:buFont typeface="Arial" panose="020B0604020202020204" pitchFamily="34" charset="0"/>
+        <a:buFont typeface="Arial" panose="02080604020202020204" pitchFamily="34" charset="0"/>
         <a:buChar char="•"/>
         <a:defRPr sz="1400" kern="1200" cap="all" baseline="0">
           <a:solidFill>
@@ -6279,7 +6212,7 @@
         <a:buClr>
           <a:schemeClr val="tx1"/>
         </a:buClr>
-        <a:buFont typeface="Arial" panose="020B0604020202020204" pitchFamily="34" charset="0"/>
+        <a:buFont typeface="Arial" panose="02080604020202020204" pitchFamily="34" charset="0"/>
         <a:buChar char="•"/>
         <a:defRPr sz="1400" kern="1200" cap="all" baseline="0">
           <a:solidFill>
@@ -6301,7 +6234,7 @@
         <a:buClr>
           <a:schemeClr val="tx1"/>
         </a:buClr>
-        <a:buFont typeface="Arial" panose="020B0604020202020204" pitchFamily="34" charset="0"/>
+        <a:buFont typeface="Arial" panose="02080604020202020204" pitchFamily="34" charset="0"/>
         <a:buChar char="•"/>
         <a:defRPr sz="1400" kern="1200" cap="all" baseline="0">
           <a:solidFill>
@@ -6432,13 +6365,7 @@
       </p:grpSpPr>
       <p:sp>
         <p:nvSpPr>
-          <p:cNvPr id="2" name="Title 1">
-            <a:extLst>
-              <a:ext uri="{FF2B5EF4-FFF2-40B4-BE49-F238E27FC236}">
-                <a16:creationId xmlns:a16="http://schemas.microsoft.com/office/drawing/2014/main" id="{1B5BDA45-9DE0-E543-93A5-B012B07D985F}"/>
-              </a:ext>
-            </a:extLst>
-          </p:cNvPr>
+          <p:cNvPr id="2" name="Title 1"/>
           <p:cNvSpPr>
             <a:spLocks noGrp="1"/>
           </p:cNvSpPr>
@@ -6455,18 +6382,13 @@
               <a:rPr lang="en-US" dirty="0"/>
               <a:t>Cryptographic techniques</a:t>
             </a:r>
-          </a:p>
-        </p:txBody>
-      </p:sp>
-      <p:sp>
-        <p:nvSpPr>
-          <p:cNvPr id="3" name="Subtitle 2">
-            <a:extLst>
-              <a:ext uri="{FF2B5EF4-FFF2-40B4-BE49-F238E27FC236}">
-                <a16:creationId xmlns:a16="http://schemas.microsoft.com/office/drawing/2014/main" id="{1FE93C89-C8E4-7340-9EC6-F275F1313E90}"/>
-              </a:ext>
-            </a:extLst>
-          </p:cNvPr>
+            <a:endParaRPr lang="en-US" dirty="0"/>
+          </a:p>
+        </p:txBody>
+      </p:sp>
+      <p:sp>
+        <p:nvSpPr>
+          <p:cNvPr id="3" name="Subtitle 2"/>
           <p:cNvSpPr>
             <a:spLocks noGrp="1"/>
           </p:cNvSpPr>
@@ -6492,11 +6414,6 @@
         </p:txBody>
       </p:sp>
     </p:spTree>
-    <p:extLst>
-      <p:ext uri="{BB962C8B-B14F-4D97-AF65-F5344CB8AC3E}">
-        <p14:creationId xmlns:p14="http://schemas.microsoft.com/office/powerpoint/2010/main" val="2926064760"/>
-      </p:ext>
-    </p:extLst>
   </p:cSld>
   <p:clrMapOvr>
     <a:masterClrMapping/>
@@ -6523,13 +6440,48 @@
       </p:grpSpPr>
       <p:pic>
         <p:nvPicPr>
-          <p:cNvPr id="4098" name="Picture 2">
+          <p:cNvPr id="4098" name="Picture 2"/>
+          <p:cNvPicPr>
+            <a:picLocks noChangeAspect="1" noChangeArrowheads="1"/>
+          </p:cNvPicPr>
+          <p:nvPr/>
+        </p:nvPicPr>
+        <p:blipFill>
+          <a:blip r:embed="rId1">
             <a:extLst>
-              <a:ext uri="{FF2B5EF4-FFF2-40B4-BE49-F238E27FC236}">
-                <a16:creationId xmlns:a16="http://schemas.microsoft.com/office/drawing/2014/main" id="{118A38FD-2FBA-C44C-827C-EC54EC080DF2}"/>
+              <a:ext uri="{28A0092B-C50C-407E-A947-70E740481C1C}">
+                <a14:useLocalDpi xmlns:a14="http://schemas.microsoft.com/office/drawing/2010/main" val="0"/>
               </a:ext>
             </a:extLst>
-          </p:cNvPr>
+          </a:blip>
+          <a:srcRect/>
+          <a:stretch>
+            <a:fillRect/>
+          </a:stretch>
+        </p:blipFill>
+        <p:spPr bwMode="auto">
+          <a:xfrm>
+            <a:off x="1524000" y="0"/>
+            <a:ext cx="6108700" cy="4343400"/>
+          </a:xfrm>
+          <a:prstGeom prst="rect">
+            <a:avLst/>
+          </a:prstGeom>
+          <a:noFill/>
+          <a:extLst>
+            <a:ext uri="{909E8E84-426E-40DD-AFC4-6F175D3DCCD1}">
+              <a14:hiddenFill xmlns:a14="http://schemas.microsoft.com/office/drawing/2010/main">
+                <a:solidFill>
+                  <a:srgbClr val="FFFFFF"/>
+                </a:solidFill>
+              </a14:hiddenFill>
+            </a:ext>
+          </a:extLst>
+        </p:spPr>
+      </p:pic>
+      <p:pic>
+        <p:nvPicPr>
+          <p:cNvPr id="4100" name="Picture 4"/>
           <p:cNvPicPr>
             <a:picLocks noChangeAspect="1" noChangeArrowheads="1"/>
           </p:cNvPicPr>
@@ -6550,8 +6502,8 @@
         </p:blipFill>
         <p:spPr bwMode="auto">
           <a:xfrm>
-            <a:off x="1524000" y="0"/>
-            <a:ext cx="6108700" cy="4343400"/>
+            <a:off x="3713018" y="4362176"/>
+            <a:ext cx="6954982" cy="2495825"/>
           </a:xfrm>
           <a:prstGeom prst="rect">
             <a:avLst/>
@@ -6568,59 +6520,7 @@
           </a:extLst>
         </p:spPr>
       </p:pic>
-      <p:pic>
-        <p:nvPicPr>
-          <p:cNvPr id="4100" name="Picture 4">
-            <a:extLst>
-              <a:ext uri="{FF2B5EF4-FFF2-40B4-BE49-F238E27FC236}">
-                <a16:creationId xmlns:a16="http://schemas.microsoft.com/office/drawing/2014/main" id="{9A16D19D-1416-C84E-9D76-B5D9C483B955}"/>
-              </a:ext>
-            </a:extLst>
-          </p:cNvPr>
-          <p:cNvPicPr>
-            <a:picLocks noChangeAspect="1" noChangeArrowheads="1"/>
-          </p:cNvPicPr>
-          <p:nvPr/>
-        </p:nvPicPr>
-        <p:blipFill>
-          <a:blip r:embed="rId3">
-            <a:extLst>
-              <a:ext uri="{28A0092B-C50C-407E-A947-70E740481C1C}">
-                <a14:useLocalDpi xmlns:a14="http://schemas.microsoft.com/office/drawing/2010/main" val="0"/>
-              </a:ext>
-            </a:extLst>
-          </a:blip>
-          <a:srcRect/>
-          <a:stretch>
-            <a:fillRect/>
-          </a:stretch>
-        </p:blipFill>
-        <p:spPr bwMode="auto">
-          <a:xfrm>
-            <a:off x="3713018" y="4362176"/>
-            <a:ext cx="6954982" cy="2495825"/>
-          </a:xfrm>
-          <a:prstGeom prst="rect">
-            <a:avLst/>
-          </a:prstGeom>
-          <a:noFill/>
-          <a:extLst>
-            <a:ext uri="{909E8E84-426E-40DD-AFC4-6F175D3DCCD1}">
-              <a14:hiddenFill xmlns:a14="http://schemas.microsoft.com/office/drawing/2010/main">
-                <a:solidFill>
-                  <a:srgbClr val="FFFFFF"/>
-                </a:solidFill>
-              </a14:hiddenFill>
-            </a:ext>
-          </a:extLst>
-        </p:spPr>
-      </p:pic>
     </p:spTree>
-    <p:extLst>
-      <p:ext uri="{BB962C8B-B14F-4D97-AF65-F5344CB8AC3E}">
-        <p14:creationId xmlns:p14="http://schemas.microsoft.com/office/powerpoint/2010/main" val="2468004260"/>
-      </p:ext>
-    </p:extLst>
   </p:cSld>
   <p:clrMapOvr>
     <a:masterClrMapping/>
@@ -6669,6 +6569,7 @@
               <a:rPr lang="en-US" dirty="0"/>
               <a:t>When did it all start?</a:t>
             </a:r>
+            <a:endParaRPr lang="en-US" dirty="0"/>
           </a:p>
         </p:txBody>
       </p:sp>
@@ -6698,6 +6599,7 @@
               <a:rPr lang="en-US" sz="2400" dirty="0"/>
               <a:t>Julius Caesar (sometime BC) ! </a:t>
             </a:r>
+            <a:endParaRPr lang="en-US" sz="2400" dirty="0"/>
           </a:p>
           <a:p>
             <a:pPr lvl="1"/>
@@ -6705,6 +6607,7 @@
               <a:rPr lang="en-US" sz="2000" dirty="0"/>
               <a:t>A substitution cipher </a:t>
             </a:r>
+            <a:endParaRPr lang="en-US" sz="2000" dirty="0"/>
           </a:p>
           <a:p>
             <a:pPr lvl="1"/>
@@ -6732,6 +6635,7 @@
               <a:rPr lang="en-US" sz="2000" dirty="0"/>
               <a:t>letter </a:t>
             </a:r>
+            <a:endParaRPr lang="en-US" sz="2000" dirty="0"/>
           </a:p>
           <a:p>
             <a:pPr lvl="2"/>
@@ -6739,6 +6643,7 @@
               <a:rPr lang="en-US" sz="1800" dirty="0"/>
               <a:t>CAT becomes FDW </a:t>
             </a:r>
+            <a:endParaRPr lang="en-US" sz="1800" dirty="0"/>
           </a:p>
           <a:p>
             <a:pPr lvl="2"/>
@@ -6746,6 +6651,7 @@
               <a:rPr lang="en-US" sz="1800" dirty="0"/>
               <a:t>Wraps around to A from Z </a:t>
             </a:r>
+            <a:endParaRPr lang="en-US" sz="1800" dirty="0"/>
           </a:p>
           <a:p>
             <a:r>
@@ -6764,6 +6670,7 @@
               <a:rPr lang="en-US" sz="2400" dirty="0"/>
               <a:t> ciphers </a:t>
             </a:r>
+            <a:endParaRPr lang="en-US" sz="2400" dirty="0"/>
           </a:p>
           <a:p>
             <a:pPr lvl="1"/>
@@ -6793,6 +6700,7 @@
               <a:rPr lang="en-US" sz="2000" dirty="0"/>
               <a:t>) on which letter could be assigned to which </a:t>
             </a:r>
+            <a:endParaRPr lang="en-US" sz="2000" dirty="0"/>
           </a:p>
           <a:p>
             <a:pPr lvl="2"/>
@@ -6800,6 +6708,7 @@
               <a:rPr lang="en-US" sz="1800" dirty="0"/>
               <a:t>E.g. A is encrypted as B, B as D, C as Z, D as A, etc. </a:t>
             </a:r>
+            <a:endParaRPr lang="en-US" sz="1800" dirty="0"/>
           </a:p>
           <a:p>
             <a:pPr lvl="2"/>
@@ -6815,6 +6724,7 @@
               <a:rPr lang="en-US" sz="1800" dirty="0"/>
               <a:t> ciphers (4x1026) </a:t>
             </a:r>
+            <a:endParaRPr lang="en-US" sz="1800" dirty="0"/>
           </a:p>
           <a:p>
             <a:pPr lvl="1"/>
@@ -6822,6 +6732,7 @@
               <a:rPr lang="en-US" sz="2000" dirty="0"/>
               <a:t>Stronger than Julius Caesar, but would you use it? </a:t>
             </a:r>
+            <a:endParaRPr lang="en-US" sz="2000" dirty="0"/>
           </a:p>
           <a:p>
             <a:pPr lvl="2"/>
@@ -6829,6 +6740,7 @@
               <a:rPr lang="en-US" sz="1800" dirty="0"/>
               <a:t>NO ! Vulnerable to statistical analysis </a:t>
             </a:r>
+            <a:endParaRPr lang="en-US" sz="1800" dirty="0"/>
           </a:p>
           <a:p>
             <a:pPr lvl="1"/>
@@ -6836,6 +6748,7 @@
               <a:rPr lang="en-US" sz="2000" dirty="0"/>
               <a:t>Most common English letters? </a:t>
             </a:r>
+            <a:endParaRPr lang="en-US" sz="2000" dirty="0"/>
           </a:p>
           <a:p>
             <a:endParaRPr lang="en-US" sz="2400" dirty="0"/>
@@ -6843,11 +6756,6 @@
         </p:txBody>
       </p:sp>
     </p:spTree>
-    <p:extLst>
-      <p:ext uri="{BB962C8B-B14F-4D97-AF65-F5344CB8AC3E}">
-        <p14:creationId xmlns:p14="http://schemas.microsoft.com/office/powerpoint/2010/main" val="2630198383"/>
-      </p:ext>
-    </p:extLst>
   </p:cSld>
   <p:clrMapOvr>
     <a:masterClrMapping/>
@@ -6896,6 +6804,7 @@
               <a:rPr lang="en-US" dirty="0"/>
               <a:t>What happened next?</a:t>
             </a:r>
+            <a:endParaRPr lang="en-US" dirty="0"/>
           </a:p>
         </p:txBody>
       </p:sp>
@@ -6929,6 +6838,7 @@
               <a:rPr lang="en-US" sz="3200" dirty="0"/>
               <a:t> Cipher </a:t>
             </a:r>
+            <a:endParaRPr lang="en-US" sz="3200" dirty="0"/>
           </a:p>
           <a:p>
             <a:pPr lvl="1"/>
@@ -6936,6 +6846,7 @@
               <a:rPr lang="en-US" sz="2800" dirty="0"/>
               <a:t>Not his </a:t>
             </a:r>
+            <a:endParaRPr lang="en-US" sz="2800" dirty="0"/>
           </a:p>
           <a:p>
             <a:pPr lvl="1"/>
@@ -6967,6 +6878,7 @@
               <a:rPr lang="en-US" sz="2800" dirty="0"/>
               <a:t>”, in 1553 </a:t>
             </a:r>
+            <a:endParaRPr lang="en-US" sz="2800" dirty="0"/>
           </a:p>
           <a:p>
             <a:pPr lvl="1"/>
@@ -6998,6 +6910,7 @@
               <a:rPr lang="en-US" sz="2800" dirty="0"/>
               <a:t> </a:t>
             </a:r>
+            <a:endParaRPr lang="en-US" sz="2800" dirty="0"/>
           </a:p>
           <a:p>
             <a:pPr lvl="1"/>
@@ -7005,6 +6918,7 @@
               <a:rPr lang="en-US" sz="2800" dirty="0"/>
               <a:t>Similar to a Caesar cipher but has a variable shift value </a:t>
             </a:r>
+            <a:endParaRPr lang="en-US" sz="2800" dirty="0"/>
           </a:p>
           <a:p>
             <a:pPr lvl="2"/>
@@ -7012,6 +6926,7 @@
               <a:rPr lang="en-US" sz="2400" dirty="0"/>
               <a:t>First letter shifted by 5, second by 17, third by 11 </a:t>
             </a:r>
+            <a:endParaRPr lang="en-US" sz="2400" dirty="0"/>
           </a:p>
           <a:p>
             <a:pPr lvl="2"/>
@@ -7019,6 +6934,7 @@
               <a:rPr lang="en-US" sz="2400" dirty="0"/>
               <a:t>5, 17 and 11 are defined by a secret </a:t>
             </a:r>
+            <a:endParaRPr lang="en-US" sz="2400" dirty="0"/>
           </a:p>
           <a:p>
             <a:pPr lvl="2"/>
@@ -7026,15 +6942,11 @@
               <a:rPr lang="en-US" sz="2400" dirty="0"/>
               <a:t>The values range is 0 to 25 (A to Z): A is 0, Z is 25</a:t>
             </a:r>
+            <a:endParaRPr lang="en-US" sz="2400" dirty="0"/>
           </a:p>
         </p:txBody>
       </p:sp>
     </p:spTree>
-    <p:extLst>
-      <p:ext uri="{BB962C8B-B14F-4D97-AF65-F5344CB8AC3E}">
-        <p14:creationId xmlns:p14="http://schemas.microsoft.com/office/powerpoint/2010/main" val="1943865126"/>
-      </p:ext>
-    </p:extLst>
   </p:cSld>
   <p:clrMapOvr>
     <a:masterClrMapping/>
@@ -7083,6 +6995,7 @@
               <a:rPr lang="en-US" dirty="0"/>
               <a:t>What happened next?</a:t>
             </a:r>
+            <a:endParaRPr lang="en-US" dirty="0"/>
           </a:p>
         </p:txBody>
       </p:sp>
@@ -7116,6 +7029,7 @@
               <a:rPr lang="en-US" sz="2400" dirty="0"/>
               <a:t> Cipher </a:t>
             </a:r>
+            <a:endParaRPr lang="en-US" sz="2400" dirty="0"/>
           </a:p>
           <a:p>
             <a:pPr lvl="1"/>
@@ -7123,6 +7037,7 @@
               <a:rPr lang="en-US" sz="2100" dirty="0"/>
               <a:t>If the message to be encrypted is longer than the key, then the key is repeated </a:t>
             </a:r>
+            <a:endParaRPr lang="en-US" sz="2100" dirty="0"/>
           </a:p>
           <a:p>
             <a:r>
@@ -7147,6 +7062,7 @@
               <a:rPr lang="en-US" sz="2100" dirty="0"/>
               <a:t>Repeat key to match message’s length </a:t>
             </a:r>
+            <a:endParaRPr lang="en-US" sz="2100" dirty="0"/>
           </a:p>
           <a:p>
             <a:pPr lvl="2"/>
@@ -7168,6 +7084,7 @@
               <a:rPr lang="en-US" sz="2100" dirty="0"/>
               <a:t>The table shows how to encrypt </a:t>
             </a:r>
+            <a:endParaRPr lang="en-US" sz="2100" dirty="0"/>
           </a:p>
           <a:p>
             <a:pPr lvl="1"/>
@@ -7187,6 +7104,7 @@
               <a:rPr lang="en-US" sz="2100" dirty="0"/>
               <a:t>column = encrypted H = ? </a:t>
             </a:r>
+            <a:endParaRPr lang="en-US" sz="2100" dirty="0"/>
           </a:p>
           <a:p>
             <a:r>
@@ -7209,6 +7127,7 @@
               <a:rPr lang="en-US" sz="2400" dirty="0"/>
               <a:t> </a:t>
             </a:r>
+            <a:endParaRPr lang="en-US" sz="2400" dirty="0"/>
           </a:p>
           <a:p>
             <a:endParaRPr lang="en-US" dirty="0"/>
@@ -7224,7 +7143,7 @@
           <p:nvPr/>
         </p:nvPicPr>
         <p:blipFill>
-          <a:blip r:embed="rId2"/>
+          <a:blip r:embed="rId1"/>
           <a:stretch>
             <a:fillRect/>
           </a:stretch>
@@ -7240,11 +7159,6 @@
         </p:spPr>
       </p:pic>
     </p:spTree>
-    <p:extLst>
-      <p:ext uri="{BB962C8B-B14F-4D97-AF65-F5344CB8AC3E}">
-        <p14:creationId xmlns:p14="http://schemas.microsoft.com/office/powerpoint/2010/main" val="2081960147"/>
-      </p:ext>
-    </p:extLst>
   </p:cSld>
   <p:clrMapOvr>
     <a:masterClrMapping/>
@@ -7271,20 +7185,14 @@
       </p:grpSpPr>
       <p:pic>
         <p:nvPicPr>
-          <p:cNvPr id="3076" name="Picture 4">
-            <a:extLst>
-              <a:ext uri="{FF2B5EF4-FFF2-40B4-BE49-F238E27FC236}">
-                <a16:creationId xmlns:a16="http://schemas.microsoft.com/office/drawing/2014/main" id="{53ABBF19-4ADC-374A-BD41-0618A2816E4E}"/>
-              </a:ext>
-            </a:extLst>
-          </p:cNvPr>
+          <p:cNvPr id="3076" name="Picture 4"/>
           <p:cNvPicPr>
             <a:picLocks noChangeAspect="1" noChangeArrowheads="1"/>
           </p:cNvPicPr>
           <p:nvPr/>
         </p:nvPicPr>
         <p:blipFill>
-          <a:blip r:embed="rId2">
+          <a:blip r:embed="rId1">
             <a:alphaModFix amt="50000"/>
             <a:extLst>
               <a:ext uri="{28A0092B-C50C-407E-A947-70E740481C1C}">
@@ -7374,11 +7282,6 @@
         </p:txBody>
       </p:sp>
     </p:spTree>
-    <p:extLst>
-      <p:ext uri="{BB962C8B-B14F-4D97-AF65-F5344CB8AC3E}">
-        <p14:creationId xmlns:p14="http://schemas.microsoft.com/office/powerpoint/2010/main" val="2096904545"/>
-      </p:ext>
-    </p:extLst>
   </p:cSld>
   <p:clrMapOvr>
     <a:masterClrMapping/>
@@ -7429,6 +7332,7 @@
               <a:rPr lang="en-US" dirty="0"/>
               <a:t>Should cryptographic algorithms be kept secret? </a:t>
             </a:r>
+            <a:endParaRPr lang="en-US" dirty="0"/>
           </a:p>
         </p:txBody>
       </p:sp>
@@ -7468,6 +7372,7 @@
               <a:rPr lang="en-US" sz="2800" dirty="0"/>
               <a:t>they cannot break it </a:t>
             </a:r>
+            <a:endParaRPr lang="en-US" sz="2800" dirty="0"/>
           </a:p>
           <a:p>
             <a:pPr lvl="1"/>
@@ -7475,12 +7380,14 @@
               <a:rPr lang="en-US" sz="2400" dirty="0"/>
               <a:t>Security through obscurity </a:t>
             </a:r>
+            <a:endParaRPr lang="en-US" sz="2400" dirty="0"/>
           </a:p>
           <a:p>
             <a:r>
               <a:rPr lang="en-US" sz="2800" dirty="0"/>
               <a:t>Difficult in practice </a:t>
             </a:r>
+            <a:endParaRPr lang="en-US" sz="2800" dirty="0"/>
           </a:p>
           <a:p>
             <a:pPr lvl="1"/>
@@ -7488,6 +7395,7 @@
               <a:rPr lang="en-US" sz="2400" dirty="0"/>
               <a:t>Each time you use the algorithm with someone, they need to learn it (and might leak it?) </a:t>
             </a:r>
+            <a:endParaRPr lang="en-US" sz="2400" dirty="0"/>
           </a:p>
           <a:p>
             <a:pPr lvl="1"/>
@@ -7495,15 +7403,11 @@
               <a:rPr lang="en-US" sz="2400" dirty="0"/>
               <a:t>If it is implemented in some hardware, reverse-engineering it could reveal the algorithm</a:t>
             </a:r>
+            <a:endParaRPr lang="en-US" sz="2400" dirty="0"/>
           </a:p>
         </p:txBody>
       </p:sp>
     </p:spTree>
-    <p:extLst>
-      <p:ext uri="{BB962C8B-B14F-4D97-AF65-F5344CB8AC3E}">
-        <p14:creationId xmlns:p14="http://schemas.microsoft.com/office/powerpoint/2010/main" val="3059505548"/>
-      </p:ext>
-    </p:extLst>
   </p:cSld>
   <p:clrMapOvr>
     <a:masterClrMapping/>
@@ -7554,6 +7458,7 @@
               <a:rPr lang="en-US" dirty="0"/>
               <a:t>Should cryptographic algorithms be kept secret? </a:t>
             </a:r>
+            <a:endParaRPr lang="en-US" dirty="0"/>
           </a:p>
         </p:txBody>
       </p:sp>
@@ -7569,8 +7474,8 @@
         </p:nvSpPr>
         <p:spPr>
           <a:xfrm>
-            <a:off x="914399" y="1708297"/>
-            <a:ext cx="11117943" cy="4373563"/>
+            <a:off x="536575" y="1393825"/>
+            <a:ext cx="11118215" cy="4472305"/>
           </a:xfrm>
         </p:spPr>
         <p:txBody>
@@ -7583,6 +7488,7 @@
               <a:rPr lang="en-US" sz="2800" dirty="0"/>
               <a:t>Making an algorithm available makes it possible for crackers to do all tests on the algorithm </a:t>
             </a:r>
+            <a:endParaRPr lang="en-US" sz="2800" dirty="0"/>
           </a:p>
           <a:p>
             <a:pPr lvl="1"/>
@@ -7590,6 +7496,7 @@
               <a:rPr lang="en-US" sz="2400" dirty="0"/>
               <a:t>And all the good guys too </a:t>
             </a:r>
+            <a:endParaRPr lang="en-US" sz="2400" dirty="0"/>
           </a:p>
           <a:p>
             <a:pPr lvl="1"/>
@@ -7601,12 +7508,14 @@
               <a:rPr lang="en-US" sz="2400" dirty="0"/>
               <a:t> a good guy finds a loophole, she warns people </a:t>
             </a:r>
+            <a:endParaRPr lang="en-US" sz="2400" dirty="0"/>
           </a:p>
           <a:p>
             <a:r>
               <a:rPr lang="en-US" sz="2800" dirty="0"/>
               <a:t>Fundamental Tenet of Cryptography </a:t>
             </a:r>
+            <a:endParaRPr lang="en-US" sz="2800" dirty="0"/>
           </a:p>
           <a:p>
             <a:pPr lvl="1"/>
@@ -7614,21 +7523,18 @@
               <a:rPr lang="en-US" sz="2400" dirty="0"/>
               <a:t>“If lots of smart people failed to solve a problem, then it probably won't be solved (soon)” </a:t>
             </a:r>
+            <a:endParaRPr lang="en-US" sz="2400" dirty="0"/>
           </a:p>
           <a:p>
             <a:r>
               <a:rPr lang="en-US" sz="2800" dirty="0"/>
               <a:t>Nowadays, most of commercial algorithms are public, whereas some military algorithms are kept secret</a:t>
             </a:r>
+            <a:endParaRPr lang="en-US" sz="2800" dirty="0"/>
           </a:p>
         </p:txBody>
       </p:sp>
     </p:spTree>
-    <p:extLst>
-      <p:ext uri="{BB962C8B-B14F-4D97-AF65-F5344CB8AC3E}">
-        <p14:creationId xmlns:p14="http://schemas.microsoft.com/office/powerpoint/2010/main" val="3960340011"/>
-      </p:ext>
-    </p:extLst>
   </p:cSld>
   <p:clrMapOvr>
     <a:masterClrMapping/>
@@ -7679,6 +7585,7 @@
               <a:rPr lang="en-US" dirty="0"/>
               <a:t>Should cryptographic algorithms be kept secret? </a:t>
             </a:r>
+            <a:endParaRPr lang="en-US" dirty="0"/>
           </a:p>
         </p:txBody>
       </p:sp>
@@ -7708,6 +7615,7 @@
               <a:rPr lang="en-US" sz="2800" dirty="0"/>
               <a:t>Kirchhoff's principle </a:t>
             </a:r>
+            <a:endParaRPr lang="en-US" sz="2800" dirty="0"/>
           </a:p>
           <a:p>
             <a:pPr lvl="1"/>
@@ -7715,6 +7623,7 @@
               <a:rPr lang="en-US" sz="2400" dirty="0"/>
               <a:t>A cryptographic algorithm must not be required to be secret, and it must be able to fall into the hands of the enemy without inconvenience </a:t>
             </a:r>
+            <a:endParaRPr lang="en-US" sz="2400" dirty="0"/>
           </a:p>
           <a:p>
             <a:pPr lvl="1"/>
@@ -7722,24 +7631,21 @@
               <a:rPr lang="en-US" sz="2400" dirty="0"/>
               <a:t>Its key must be communicable and retainable without the help of written notes, and changeable or modifiable at the will of the correspondents </a:t>
             </a:r>
+            <a:endParaRPr lang="en-US" sz="2400" dirty="0"/>
           </a:p>
           <a:p>
             <a:r>
               <a:rPr lang="en-US" sz="2800" dirty="0"/>
               <a:t>The only secret in the system should be the key </a:t>
             </a:r>
-          </a:p>
-          <a:p>
             <a:endParaRPr lang="en-US" sz="2800" dirty="0"/>
           </a:p>
+          <a:p>
+            <a:endParaRPr lang="en-US" sz="2800" dirty="0"/>
+          </a:p>
         </p:txBody>
       </p:sp>
     </p:spTree>
-    <p:extLst>
-      <p:ext uri="{BB962C8B-B14F-4D97-AF65-F5344CB8AC3E}">
-        <p14:creationId xmlns:p14="http://schemas.microsoft.com/office/powerpoint/2010/main" val="33647417"/>
-      </p:ext>
-    </p:extLst>
   </p:cSld>
   <p:clrMapOvr>
     <a:masterClrMapping/>
@@ -7790,6 +7696,7 @@
               <a:rPr lang="en-US" dirty="0"/>
               <a:t>How Difficult is it to Find a Key? </a:t>
             </a:r>
+            <a:endParaRPr lang="en-US" dirty="0"/>
           </a:p>
         </p:txBody>
       </p:sp>
@@ -7805,13 +7712,13 @@
         </p:nvSpPr>
         <p:spPr>
           <a:xfrm>
-            <a:off x="783771" y="1905001"/>
+            <a:off x="783771" y="1597661"/>
             <a:ext cx="10595429" cy="4814454"/>
           </a:xfrm>
         </p:spPr>
         <p:txBody>
           <a:bodyPr>
-            <a:normAutofit lnSpcReduction="10000"/>
+            <a:normAutofit lnSpcReduction="20000"/>
           </a:bodyPr>
           <a:lstStyle/>
           <a:p>
@@ -7819,6 +7726,7 @@
               <a:rPr lang="en-US" dirty="0"/>
               <a:t>Assume you are using an algorithm with a 16 bit key </a:t>
             </a:r>
+            <a:endParaRPr lang="en-US" dirty="0"/>
           </a:p>
           <a:p>
             <a:pPr lvl="1"/>
@@ -7834,6 +7742,7 @@
               <a:rPr lang="en-US" dirty="0"/>
               <a:t> (=65536) possible keys </a:t>
             </a:r>
+            <a:endParaRPr lang="en-US" dirty="0"/>
           </a:p>
           <a:p>
             <a:pPr lvl="1"/>
@@ -7841,6 +7750,7 @@
               <a:rPr lang="en-US" dirty="0"/>
               <a:t>If a computer can test 100 keys/sec, then it will take a bit less than 11 minutes to try all of them </a:t>
             </a:r>
+            <a:endParaRPr lang="en-US" dirty="0"/>
           </a:p>
           <a:p>
             <a:pPr lvl="2"/>
@@ -7848,6 +7758,7 @@
               <a:rPr lang="en-US" dirty="0"/>
               <a:t>brute-force </a:t>
             </a:r>
+            <a:endParaRPr lang="en-US" dirty="0"/>
           </a:p>
           <a:p>
             <a:pPr lvl="1"/>
@@ -7855,6 +7766,7 @@
               <a:rPr lang="en-US" dirty="0"/>
               <a:t>And, in average, half that time to find the right key </a:t>
             </a:r>
+            <a:endParaRPr lang="en-US" dirty="0"/>
           </a:p>
           <a:p>
             <a:pPr lvl="1"/>
@@ -7862,6 +7774,7 @@
               <a:rPr lang="en-US" dirty="0"/>
               <a:t>This time doubles for each added bit (0 or 1) </a:t>
             </a:r>
+            <a:endParaRPr lang="en-US" dirty="0"/>
           </a:p>
           <a:p>
             <a:pPr lvl="1"/>
@@ -7869,30 +7782,30 @@
               <a:rPr lang="en-US" dirty="0"/>
               <a:t>For a 24 bit key, the same computer will need almost 20 months to try all combinations </a:t>
             </a:r>
-          </a:p>
-          <a:p>
+            <a:endParaRPr lang="en-US" dirty="0"/>
+          </a:p>
+          <a:p>
+            <a:pPr lvl="0"/>
             <a:r>
               <a:rPr lang="en-US" dirty="0"/>
               <a:t>In practice, computers are much faster, but keys are much longer too ! </a:t>
             </a:r>
-          </a:p>
-          <a:p>
+            <a:endParaRPr lang="en-US" dirty="0"/>
+          </a:p>
+          <a:p>
+            <a:pPr lvl="0"/>
             <a:r>
               <a:rPr lang="en-US" dirty="0"/>
               <a:t>We would say that it is computationally infeasible to brute-force a cryptographic algorithm if it required an unreasonable amount of time using the most powerful computers </a:t>
             </a:r>
-          </a:p>
-          <a:p>
             <a:endParaRPr lang="en-US" dirty="0"/>
           </a:p>
+          <a:p>
+            <a:endParaRPr lang="en-US" dirty="0"/>
+          </a:p>
         </p:txBody>
       </p:sp>
     </p:spTree>
-    <p:extLst>
-      <p:ext uri="{BB962C8B-B14F-4D97-AF65-F5344CB8AC3E}">
-        <p14:creationId xmlns:p14="http://schemas.microsoft.com/office/powerpoint/2010/main" val="3297235317"/>
-      </p:ext>
-    </p:extLst>
   </p:cSld>
   <p:clrMapOvr>
     <a:masterClrMapping/>
@@ -7943,6 +7856,7 @@
               <a:rPr lang="en-US" dirty="0"/>
               <a:t>How Difficult is it to Find a Key? </a:t>
             </a:r>
+            <a:endParaRPr lang="en-US" dirty="0"/>
           </a:p>
         </p:txBody>
       </p:sp>
@@ -7972,6 +7886,7 @@
               <a:rPr lang="en-US" sz="2800" dirty="0"/>
               <a:t>Note that if the keys are chosen and used by humans, then they have limited choices </a:t>
             </a:r>
+            <a:endParaRPr lang="en-US" sz="2800" dirty="0"/>
           </a:p>
           <a:p>
             <a:pPr lvl="1"/>
@@ -7979,6 +7894,7 @@
               <a:rPr lang="en-US" sz="2400" dirty="0"/>
               <a:t>24 bit key is a 3 character key </a:t>
             </a:r>
+            <a:endParaRPr lang="en-US" sz="2400" dirty="0"/>
           </a:p>
           <a:p>
             <a:pPr lvl="1"/>
@@ -7986,6 +7902,7 @@
               <a:rPr lang="en-US" sz="2400" dirty="0"/>
               <a:t>Say for example that the used characters are upper and lower case and numerals </a:t>
             </a:r>
+            <a:endParaRPr lang="en-US" sz="2400" dirty="0"/>
           </a:p>
           <a:p>
             <a:pPr lvl="1"/>
@@ -7993,6 +7910,7 @@
               <a:rPr lang="en-US" sz="2400" dirty="0"/>
               <a:t>26+26+10 = 62 possibilities for each character </a:t>
             </a:r>
+            <a:endParaRPr lang="en-US" sz="2400" dirty="0"/>
           </a:p>
           <a:p>
             <a:pPr lvl="1"/>
@@ -8008,6 +7926,7 @@
               <a:rPr lang="en-US" sz="2400" dirty="0"/>
               <a:t>(=238328) possible keys in all </a:t>
             </a:r>
+            <a:endParaRPr lang="en-US" sz="2400" dirty="0"/>
           </a:p>
           <a:p>
             <a:pPr lvl="1"/>
@@ -8015,21 +7934,18 @@
               <a:rPr lang="en-US" sz="2400" dirty="0"/>
               <a:t>Takes less than an hour to try all combinations ! </a:t>
             </a:r>
+            <a:endParaRPr lang="en-US" sz="2400" dirty="0"/>
           </a:p>
           <a:p>
             <a:r>
               <a:rPr lang="en-US" sz="2800" dirty="0"/>
               <a:t>Nowadays, 280 possible combinations are considered feasible</a:t>
             </a:r>
+            <a:endParaRPr lang="en-US" sz="2800" dirty="0"/>
           </a:p>
         </p:txBody>
       </p:sp>
     </p:spTree>
-    <p:extLst>
-      <p:ext uri="{BB962C8B-B14F-4D97-AF65-F5344CB8AC3E}">
-        <p14:creationId xmlns:p14="http://schemas.microsoft.com/office/powerpoint/2010/main" val="2892568295"/>
-      </p:ext>
-    </p:extLst>
   </p:cSld>
   <p:clrMapOvr>
     <a:masterClrMapping/>
@@ -8056,13 +7972,7 @@
       </p:grpSpPr>
       <p:sp>
         <p:nvSpPr>
-          <p:cNvPr id="2" name="Title 1">
-            <a:extLst>
-              <a:ext uri="{FF2B5EF4-FFF2-40B4-BE49-F238E27FC236}">
-                <a16:creationId xmlns:a16="http://schemas.microsoft.com/office/drawing/2014/main" id="{4F39B193-DF1B-CB47-BDC0-CF9C771A2391}"/>
-              </a:ext>
-            </a:extLst>
-          </p:cNvPr>
+          <p:cNvPr id="2" name="Title 1"/>
           <p:cNvSpPr>
             <a:spLocks noGrp="1"/>
           </p:cNvSpPr>
@@ -8079,15 +7989,11 @@
               <a:rPr lang="en-US" dirty="0"/>
               <a:t>Introduction</a:t>
             </a:r>
+            <a:endParaRPr lang="en-US" dirty="0"/>
           </a:p>
         </p:txBody>
       </p:sp>
     </p:spTree>
-    <p:extLst>
-      <p:ext uri="{BB962C8B-B14F-4D97-AF65-F5344CB8AC3E}">
-        <p14:creationId xmlns:p14="http://schemas.microsoft.com/office/powerpoint/2010/main" val="2326318142"/>
-      </p:ext>
-    </p:extLst>
   </p:cSld>
   <p:clrMapOvr>
     <a:masterClrMapping/>
@@ -8138,6 +8044,7 @@
               <a:rPr lang="en-US" dirty="0"/>
               <a:t>How to Break a Crypto Algorithm? </a:t>
             </a:r>
+            <a:endParaRPr lang="en-US" dirty="0"/>
           </a:p>
         </p:txBody>
       </p:sp>
@@ -8153,7 +8060,7 @@
         </p:nvSpPr>
         <p:spPr>
           <a:xfrm>
-            <a:off x="377371" y="1920590"/>
+            <a:off x="377371" y="1643730"/>
             <a:ext cx="11625943" cy="4937411"/>
           </a:xfrm>
         </p:spPr>
@@ -8167,6 +8074,7 @@
               <a:rPr lang="en-US" sz="2800" dirty="0"/>
               <a:t>Three typical attacks </a:t>
             </a:r>
+            <a:endParaRPr lang="en-US" sz="2800" dirty="0"/>
           </a:p>
           <a:p>
             <a:pPr marL="114300" indent="0">
@@ -8176,6 +8084,7 @@
               <a:rPr lang="en-US" sz="2800" dirty="0"/>
               <a:t>   1.Ciphertext only </a:t>
             </a:r>
+            <a:endParaRPr lang="en-US" sz="2800" dirty="0"/>
           </a:p>
           <a:p>
             <a:pPr lvl="2"/>
@@ -8183,6 +8092,7 @@
               <a:rPr lang="en-US" sz="2000" dirty="0"/>
               <a:t>Attacker has access to encrypted messages </a:t>
             </a:r>
+            <a:endParaRPr lang="en-US" sz="2000" dirty="0"/>
           </a:p>
           <a:p>
             <a:pPr lvl="2"/>
@@ -8190,6 +8100,7 @@
               <a:rPr lang="en-US" sz="2000" dirty="0"/>
               <a:t>The attacker has to try possible keys in turn until one works </a:t>
             </a:r>
+            <a:endParaRPr lang="en-US" sz="2000" dirty="0"/>
           </a:p>
           <a:p>
             <a:pPr lvl="2"/>
@@ -8197,6 +8108,7 @@
               <a:rPr lang="en-US" sz="2000" dirty="0"/>
               <a:t>The attacker has to be able to recognize that a key actually works </a:t>
             </a:r>
+            <a:endParaRPr lang="en-US" sz="2000" dirty="0"/>
           </a:p>
           <a:p>
             <a:pPr lvl="3"/>
@@ -8204,6 +8116,7 @@
               <a:rPr lang="en-US" sz="1800" dirty="0"/>
               <a:t>Hence the name recognizable plaintext attack </a:t>
             </a:r>
+            <a:endParaRPr lang="en-US" sz="1800" dirty="0"/>
           </a:p>
           <a:p>
             <a:pPr lvl="2"/>
@@ -8211,6 +8124,7 @@
               <a:rPr lang="en-US" sz="2000" dirty="0"/>
               <a:t>Problem when dealing with a cipher text that can be decrypted in several ways </a:t>
             </a:r>
+            <a:endParaRPr lang="en-US" sz="2000" dirty="0"/>
           </a:p>
           <a:p>
             <a:pPr lvl="3"/>
@@ -8218,6 +8132,7 @@
               <a:rPr lang="en-US" sz="1800" dirty="0"/>
               <a:t>Should have many samples </a:t>
             </a:r>
+            <a:endParaRPr lang="en-US" sz="1800" dirty="0"/>
           </a:p>
           <a:p>
             <a:pPr lvl="3"/>
@@ -8233,6 +8148,7 @@
               <a:rPr lang="en-US" sz="1800" dirty="0"/>
               <a:t> outputs) </a:t>
             </a:r>
+            <a:endParaRPr lang="en-US" sz="1800" dirty="0"/>
           </a:p>
           <a:p>
             <a:endParaRPr lang="en-US" sz="2800" dirty="0"/>
@@ -8240,11 +8156,6 @@
         </p:txBody>
       </p:sp>
     </p:spTree>
-    <p:extLst>
-      <p:ext uri="{BB962C8B-B14F-4D97-AF65-F5344CB8AC3E}">
-        <p14:creationId xmlns:p14="http://schemas.microsoft.com/office/powerpoint/2010/main" val="3181828217"/>
-      </p:ext>
-    </p:extLst>
   </p:cSld>
   <p:clrMapOvr>
     <a:masterClrMapping/>
@@ -8295,6 +8206,7 @@
               <a:rPr lang="en-US" dirty="0"/>
               <a:t>How to Break a Crypto Algorithm? </a:t>
             </a:r>
+            <a:endParaRPr lang="en-US" dirty="0"/>
           </a:p>
         </p:txBody>
       </p:sp>
@@ -8310,7 +8222,7 @@
         </p:nvSpPr>
         <p:spPr>
           <a:xfrm>
-            <a:off x="682171" y="2036619"/>
+            <a:off x="691061" y="1750234"/>
             <a:ext cx="11059885" cy="3777622"/>
           </a:xfrm>
         </p:spPr>
@@ -8324,6 +8236,7 @@
               <a:rPr lang="en-US" sz="3200" dirty="0"/>
               <a:t>Three typical attacks </a:t>
             </a:r>
+            <a:endParaRPr lang="en-US" sz="3200" dirty="0"/>
           </a:p>
           <a:p>
             <a:pPr marL="114300" indent="0">
@@ -8333,6 +8246,7 @@
               <a:rPr lang="en-US" sz="3200" dirty="0"/>
               <a:t>   2. Known Plaintext </a:t>
             </a:r>
+            <a:endParaRPr lang="en-US" sz="3200" dirty="0"/>
           </a:p>
           <a:p>
             <a:pPr lvl="2"/>
@@ -8340,6 +8254,7 @@
               <a:rPr lang="en-US" sz="2400" dirty="0"/>
               <a:t>The attacker obtained pairs of plain and cipher texts </a:t>
             </a:r>
+            <a:endParaRPr lang="en-US" sz="2400" dirty="0"/>
           </a:p>
           <a:p>
             <a:pPr lvl="2"/>
@@ -8355,6 +8270,7 @@
               <a:rPr lang="en-US" sz="2400" dirty="0"/>
               <a:t> was revealed </a:t>
             </a:r>
+            <a:endParaRPr lang="en-US" sz="2400" dirty="0"/>
           </a:p>
           <a:p>
             <a:pPr lvl="3"/>
@@ -8362,6 +8278,7 @@
               <a:rPr lang="en-US" sz="2000" dirty="0"/>
               <a:t>Attack? Yes, no </a:t>
             </a:r>
+            <a:endParaRPr lang="en-US" sz="2000" dirty="0"/>
           </a:p>
           <a:p>
             <a:pPr lvl="3"/>
@@ -8369,6 +8286,7 @@
               <a:rPr lang="en-US" sz="2000" dirty="0"/>
               <a:t>Next target? </a:t>
             </a:r>
+            <a:endParaRPr lang="en-US" sz="2000" dirty="0"/>
           </a:p>
           <a:p>
             <a:pPr lvl="2"/>
@@ -8376,6 +8294,7 @@
               <a:rPr lang="en-US" sz="2400" dirty="0"/>
               <a:t>Should prevent attackers from getting those pairs </a:t>
             </a:r>
+            <a:endParaRPr lang="en-US" sz="2400" dirty="0"/>
           </a:p>
           <a:p>
             <a:pPr lvl="3"/>
@@ -8383,15 +8302,11 @@
               <a:rPr lang="en-US" sz="2000" dirty="0"/>
               <a:t>Adding a sequence number</a:t>
             </a:r>
+            <a:endParaRPr lang="en-US" sz="2000" dirty="0"/>
           </a:p>
         </p:txBody>
       </p:sp>
     </p:spTree>
-    <p:extLst>
-      <p:ext uri="{BB962C8B-B14F-4D97-AF65-F5344CB8AC3E}">
-        <p14:creationId xmlns:p14="http://schemas.microsoft.com/office/powerpoint/2010/main" val="3189610500"/>
-      </p:ext>
-    </p:extLst>
   </p:cSld>
   <p:clrMapOvr>
     <a:masterClrMapping/>
@@ -8442,6 +8357,7 @@
               <a:rPr lang="en-US" dirty="0"/>
               <a:t>How to Break a Crypto Algorithm? </a:t>
             </a:r>
+            <a:endParaRPr lang="en-US" dirty="0"/>
           </a:p>
         </p:txBody>
       </p:sp>
@@ -8471,6 +8387,7 @@
               <a:rPr lang="en-US" sz="2800" dirty="0"/>
               <a:t>Three typical attacks </a:t>
             </a:r>
+            <a:endParaRPr lang="en-US" sz="2800" dirty="0"/>
           </a:p>
           <a:p>
             <a:pPr marL="114300" indent="0">
@@ -8480,6 +8397,7 @@
               <a:rPr lang="en-US" sz="2800" dirty="0"/>
               <a:t>   3.Chosen Plaintext </a:t>
             </a:r>
+            <a:endParaRPr lang="en-US" sz="2800" dirty="0"/>
           </a:p>
           <a:p>
             <a:pPr lvl="2"/>
@@ -8487,6 +8405,7 @@
               <a:rPr lang="en-US" sz="2000" dirty="0"/>
               <a:t>The attacker can choose the plaintext and make the system encrypt it ! </a:t>
             </a:r>
+            <a:endParaRPr lang="en-US" sz="2000" dirty="0"/>
           </a:p>
           <a:p>
             <a:pPr lvl="2"/>
@@ -8494,6 +8413,7 @@
               <a:rPr lang="en-US" sz="2000" dirty="0"/>
               <a:t>Real life example: WEP </a:t>
             </a:r>
+            <a:endParaRPr lang="en-US" sz="2000" dirty="0"/>
           </a:p>
           <a:p>
             <a:pPr lvl="3"/>
@@ -8501,6 +8421,7 @@
               <a:rPr lang="en-US" sz="1800" dirty="0"/>
               <a:t>In WEP, the access point can send random numbers to the station (e.g. laptop) and the station encrypts and returns it </a:t>
             </a:r>
+            <a:endParaRPr lang="en-US" sz="1800" dirty="0"/>
           </a:p>
           <a:p>
             <a:pPr lvl="3"/>
@@ -8508,6 +8429,7 @@
               <a:rPr lang="en-US" sz="1800" dirty="0"/>
               <a:t>An attacker could pretend to be the access point </a:t>
             </a:r>
+            <a:endParaRPr lang="en-US" sz="1800" dirty="0"/>
           </a:p>
           <a:p>
             <a:pPr lvl="2"/>
@@ -8523,6 +8445,7 @@
               <a:rPr lang="en-US" sz="2000" dirty="0"/>
               <a:t> </a:t>
             </a:r>
+            <a:endParaRPr lang="en-US" sz="2000" dirty="0"/>
           </a:p>
           <a:p>
             <a:pPr lvl="3"/>
@@ -8530,15 +8453,11 @@
               <a:rPr lang="en-US" sz="1800" dirty="0"/>
               <a:t>E.g. YES or NO</a:t>
             </a:r>
+            <a:endParaRPr lang="en-US" sz="1800" dirty="0"/>
           </a:p>
         </p:txBody>
       </p:sp>
     </p:spTree>
-    <p:extLst>
-      <p:ext uri="{BB962C8B-B14F-4D97-AF65-F5344CB8AC3E}">
-        <p14:creationId xmlns:p14="http://schemas.microsoft.com/office/powerpoint/2010/main" val="2099707564"/>
-      </p:ext>
-    </p:extLst>
   </p:cSld>
   <p:clrMapOvr>
     <a:masterClrMapping/>
@@ -8598,11 +8517,6 @@
         </p:txBody>
       </p:sp>
     </p:spTree>
-    <p:extLst>
-      <p:ext uri="{BB962C8B-B14F-4D97-AF65-F5344CB8AC3E}">
-        <p14:creationId xmlns:p14="http://schemas.microsoft.com/office/powerpoint/2010/main" val="2432886401"/>
-      </p:ext>
-    </p:extLst>
   </p:cSld>
   <p:clrMapOvr>
     <a:masterClrMapping/>
@@ -8648,6 +8562,7 @@
               <a:rPr lang="en-US" dirty="0"/>
               <a:t>Do all Crypto Algorithms Work the Same Way? </a:t>
             </a:r>
+            <a:endParaRPr lang="en-US" dirty="0"/>
           </a:p>
         </p:txBody>
       </p:sp>
@@ -8663,7 +8578,7 @@
         </p:nvSpPr>
         <p:spPr>
           <a:xfrm>
-            <a:off x="812799" y="1904999"/>
+            <a:off x="812799" y="1656079"/>
             <a:ext cx="10900230" cy="4829629"/>
           </a:xfrm>
         </p:spPr>
@@ -8677,6 +8592,7 @@
               <a:rPr lang="en-US" sz="3200" dirty="0"/>
               <a:t>Three types of crypto Techniques </a:t>
             </a:r>
+            <a:endParaRPr lang="en-US" sz="3200" dirty="0"/>
           </a:p>
           <a:p>
             <a:pPr marL="114300" indent="0">
@@ -8686,6 +8602,7 @@
               <a:rPr lang="en-US" sz="3200" dirty="0"/>
               <a:t>   1.Secret key/SYMMETRIC algorithms </a:t>
             </a:r>
+            <a:endParaRPr lang="en-US" sz="3200" dirty="0"/>
           </a:p>
           <a:p>
             <a:pPr lvl="2"/>
@@ -8693,6 +8610,7 @@
               <a:rPr lang="en-US" sz="2400" dirty="0"/>
               <a:t>Most intuitive: same key for encryption and decryption </a:t>
             </a:r>
+            <a:endParaRPr lang="en-US" sz="2400" dirty="0"/>
           </a:p>
           <a:p>
             <a:pPr lvl="2"/>
@@ -8700,6 +8618,7 @@
               <a:rPr lang="en-US" sz="2400" dirty="0"/>
               <a:t>Also known as Symmetric Cryptography </a:t>
             </a:r>
+            <a:endParaRPr lang="en-US" sz="2400" dirty="0"/>
           </a:p>
           <a:p>
             <a:pPr lvl="2"/>
@@ -8707,6 +8626,7 @@
               <a:rPr lang="en-US" sz="2400" dirty="0"/>
               <a:t>Many uses in secure systems, one of the most obvious ones is confidentiality </a:t>
             </a:r>
+            <a:endParaRPr lang="en-US" sz="2400" dirty="0"/>
           </a:p>
           <a:p>
             <a:pPr lvl="2"/>
@@ -8714,15 +8634,11 @@
               <a:rPr lang="en-US" sz="2400" dirty="0"/>
               <a:t>The two communication parties have to find a way of sharing the key before communicating </a:t>
             </a:r>
+            <a:endParaRPr lang="en-US" sz="2400" dirty="0"/>
           </a:p>
         </p:txBody>
       </p:sp>
     </p:spTree>
-    <p:extLst>
-      <p:ext uri="{BB962C8B-B14F-4D97-AF65-F5344CB8AC3E}">
-        <p14:creationId xmlns:p14="http://schemas.microsoft.com/office/powerpoint/2010/main" val="3357836552"/>
-      </p:ext>
-    </p:extLst>
   </p:cSld>
   <p:clrMapOvr>
     <a:masterClrMapping/>
@@ -8749,13 +8665,7 @@
       </p:grpSpPr>
       <p:sp>
         <p:nvSpPr>
-          <p:cNvPr id="2" name="Title 1">
-            <a:extLst>
-              <a:ext uri="{FF2B5EF4-FFF2-40B4-BE49-F238E27FC236}">
-                <a16:creationId xmlns:a16="http://schemas.microsoft.com/office/drawing/2014/main" id="{18F2152D-E069-034B-9364-4A869A5FA031}"/>
-              </a:ext>
-            </a:extLst>
-          </p:cNvPr>
+          <p:cNvPr id="2" name="Title 1"/>
           <p:cNvSpPr>
             <a:spLocks noGrp="1"/>
           </p:cNvSpPr>
@@ -8774,13 +8684,7 @@
       </p:sp>
       <p:sp>
         <p:nvSpPr>
-          <p:cNvPr id="3" name="Content Placeholder 2">
-            <a:extLst>
-              <a:ext uri="{FF2B5EF4-FFF2-40B4-BE49-F238E27FC236}">
-                <a16:creationId xmlns:a16="http://schemas.microsoft.com/office/drawing/2014/main" id="{14E77459-5319-7E49-86E8-2CBCC7EA7A22}"/>
-              </a:ext>
-            </a:extLst>
-          </p:cNvPr>
+          <p:cNvPr id="3" name="Content Placeholder 2"/>
           <p:cNvSpPr>
             <a:spLocks noGrp="1"/>
           </p:cNvSpPr>
@@ -8799,20 +8703,14 @@
       </p:sp>
       <p:pic>
         <p:nvPicPr>
-          <p:cNvPr id="4" name="Picture 2">
-            <a:extLst>
-              <a:ext uri="{FF2B5EF4-FFF2-40B4-BE49-F238E27FC236}">
-                <a16:creationId xmlns:a16="http://schemas.microsoft.com/office/drawing/2014/main" id="{4321C141-EE2A-9943-8690-9AAAC8C68B12}"/>
-              </a:ext>
-            </a:extLst>
-          </p:cNvPr>
+          <p:cNvPr id="4" name="Picture 2"/>
           <p:cNvPicPr>
             <a:picLocks noChangeAspect="1" noChangeArrowheads="1"/>
           </p:cNvPicPr>
           <p:nvPr/>
         </p:nvPicPr>
         <p:blipFill>
-          <a:blip r:embed="rId2">
+          <a:blip r:embed="rId1">
             <a:extLst>
               <a:ext uri="{28A0092B-C50C-407E-A947-70E740481C1C}">
                 <a14:useLocalDpi xmlns:a14="http://schemas.microsoft.com/office/drawing/2010/main" val="0"/>
@@ -8845,11 +8743,6 @@
         </p:spPr>
       </p:pic>
     </p:spTree>
-    <p:extLst>
-      <p:ext uri="{BB962C8B-B14F-4D97-AF65-F5344CB8AC3E}">
-        <p14:creationId xmlns:p14="http://schemas.microsoft.com/office/powerpoint/2010/main" val="2190763259"/>
-      </p:ext>
-    </p:extLst>
   </p:cSld>
   <p:clrMapOvr>
     <a:masterClrMapping/>
@@ -8895,6 +8788,7 @@
               <a:rPr lang="en-US" dirty="0"/>
               <a:t>Do all Crypto Algorithms Work the Same Way? </a:t>
             </a:r>
+            <a:endParaRPr lang="en-US" dirty="0"/>
           </a:p>
         </p:txBody>
       </p:sp>
@@ -8924,6 +8818,7 @@
               <a:rPr lang="en-US" sz="2400" dirty="0"/>
               <a:t>Three types of crypto Techniques </a:t>
             </a:r>
+            <a:endParaRPr lang="en-US" sz="2400" dirty="0"/>
           </a:p>
           <a:p>
             <a:pPr marL="114300" indent="0">
@@ -8933,6 +8828,7 @@
               <a:rPr lang="en-US" sz="2400" dirty="0"/>
               <a:t>    2.Public key/ ASYMMETRIC algorithms </a:t>
             </a:r>
+            <a:endParaRPr lang="en-US" sz="2400" dirty="0"/>
           </a:p>
           <a:p>
             <a:pPr lvl="2"/>
@@ -8940,6 +8836,7 @@
               <a:rPr lang="en-US" sz="1800" dirty="0"/>
               <a:t>Keys work in pairs </a:t>
             </a:r>
+            <a:endParaRPr lang="en-US" sz="1800" dirty="0"/>
           </a:p>
           <a:p>
             <a:pPr lvl="2"/>
@@ -8947,6 +8844,7 @@
               <a:rPr lang="en-US" sz="1800" dirty="0"/>
               <a:t>When a key is used to encrypt, only the other one can decrypt </a:t>
             </a:r>
+            <a:endParaRPr lang="en-US" sz="1800" dirty="0"/>
           </a:p>
           <a:p>
             <a:pPr lvl="3"/>
@@ -8954,6 +8852,7 @@
               <a:rPr lang="en-US" sz="1600" dirty="0"/>
               <a:t>Can encrypt with either; different uses </a:t>
             </a:r>
+            <a:endParaRPr lang="en-US" sz="1600" dirty="0"/>
           </a:p>
           <a:p>
             <a:pPr lvl="2"/>
@@ -8961,6 +8860,7 @@
               <a:rPr lang="en-US" sz="1800" dirty="0"/>
               <a:t>Also known as Asymmetric Cryptography </a:t>
             </a:r>
+            <a:endParaRPr lang="en-US" sz="1800" dirty="0"/>
           </a:p>
           <a:p>
             <a:pPr lvl="2"/>
@@ -8968,6 +8868,7 @@
               <a:rPr lang="en-US" sz="1800" dirty="0"/>
               <a:t>Typically one key is kept secret (private key), the other one is made public (public key) </a:t>
             </a:r>
+            <a:endParaRPr lang="en-US" sz="1800" dirty="0"/>
           </a:p>
           <a:p>
             <a:pPr lvl="2"/>
@@ -8975,6 +8876,7 @@
               <a:rPr lang="en-US" sz="1800" dirty="0"/>
               <a:t>Many uses in secure systems, one of the most obvious ones is authentication </a:t>
             </a:r>
+            <a:endParaRPr lang="en-US" sz="1800" dirty="0"/>
           </a:p>
           <a:p>
             <a:pPr lvl="2"/>
@@ -8982,15 +8884,11 @@
               <a:rPr lang="en-US" sz="1800" dirty="0"/>
               <a:t>The two communication parties have to find a way of sharing public key(s?) before communicating </a:t>
             </a:r>
+            <a:endParaRPr lang="en-US" sz="1800" dirty="0"/>
           </a:p>
         </p:txBody>
       </p:sp>
     </p:spTree>
-    <p:extLst>
-      <p:ext uri="{BB962C8B-B14F-4D97-AF65-F5344CB8AC3E}">
-        <p14:creationId xmlns:p14="http://schemas.microsoft.com/office/powerpoint/2010/main" val="2589488740"/>
-      </p:ext>
-    </p:extLst>
   </p:cSld>
   <p:clrMapOvr>
     <a:masterClrMapping/>
@@ -9017,13 +8915,7 @@
       </p:grpSpPr>
       <p:sp>
         <p:nvSpPr>
-          <p:cNvPr id="2" name="Title 1">
-            <a:extLst>
-              <a:ext uri="{FF2B5EF4-FFF2-40B4-BE49-F238E27FC236}">
-                <a16:creationId xmlns:a16="http://schemas.microsoft.com/office/drawing/2014/main" id="{56B778AF-1F16-1F46-AB5B-E877D96E67C0}"/>
-              </a:ext>
-            </a:extLst>
-          </p:cNvPr>
+          <p:cNvPr id="2" name="Title 1"/>
           <p:cNvSpPr>
             <a:spLocks noGrp="1"/>
           </p:cNvSpPr>
@@ -9042,13 +8934,7 @@
       </p:sp>
       <p:sp>
         <p:nvSpPr>
-          <p:cNvPr id="3" name="Content Placeholder 2">
-            <a:extLst>
-              <a:ext uri="{FF2B5EF4-FFF2-40B4-BE49-F238E27FC236}">
-                <a16:creationId xmlns:a16="http://schemas.microsoft.com/office/drawing/2014/main" id="{D86B371B-F785-CF43-ABF6-545998515A87}"/>
-              </a:ext>
-            </a:extLst>
-          </p:cNvPr>
+          <p:cNvPr id="3" name="Content Placeholder 2"/>
           <p:cNvSpPr>
             <a:spLocks noGrp="1"/>
           </p:cNvSpPr>
@@ -9067,20 +8953,14 @@
       </p:sp>
       <p:pic>
         <p:nvPicPr>
-          <p:cNvPr id="4" name="Picture 2">
-            <a:extLst>
-              <a:ext uri="{FF2B5EF4-FFF2-40B4-BE49-F238E27FC236}">
-                <a16:creationId xmlns:a16="http://schemas.microsoft.com/office/drawing/2014/main" id="{343CCA88-41BA-EB44-9B69-18007204C3FF}"/>
-              </a:ext>
-            </a:extLst>
-          </p:cNvPr>
+          <p:cNvPr id="4" name="Picture 2"/>
           <p:cNvPicPr>
             <a:picLocks noChangeAspect="1" noChangeArrowheads="1"/>
           </p:cNvPicPr>
           <p:nvPr/>
         </p:nvPicPr>
         <p:blipFill>
-          <a:blip r:embed="rId2">
+          <a:blip r:embed="rId1">
             <a:extLst>
               <a:ext uri="{28A0092B-C50C-407E-A947-70E740481C1C}">
                 <a14:useLocalDpi xmlns:a14="http://schemas.microsoft.com/office/drawing/2010/main" val="0"/>
@@ -9113,11 +8993,6 @@
         </p:spPr>
       </p:pic>
     </p:spTree>
-    <p:extLst>
-      <p:ext uri="{BB962C8B-B14F-4D97-AF65-F5344CB8AC3E}">
-        <p14:creationId xmlns:p14="http://schemas.microsoft.com/office/powerpoint/2010/main" val="3036513644"/>
-      </p:ext>
-    </p:extLst>
   </p:cSld>
   <p:clrMapOvr>
     <a:masterClrMapping/>
@@ -9144,20 +9019,14 @@
       </p:grpSpPr>
       <p:pic>
         <p:nvPicPr>
-          <p:cNvPr id="4098" name="Picture 2" descr="Symmetry - Wikipedia">
-            <a:extLst>
-              <a:ext uri="{FF2B5EF4-FFF2-40B4-BE49-F238E27FC236}">
-                <a16:creationId xmlns:a16="http://schemas.microsoft.com/office/drawing/2014/main" id="{D6048274-158D-9645-B40A-38D5DDF29F27}"/>
-              </a:ext>
-            </a:extLst>
-          </p:cNvPr>
+          <p:cNvPr id="4098" name="Picture 2" descr="Symmetry - Wikipedia"/>
           <p:cNvPicPr>
             <a:picLocks noChangeAspect="1" noChangeArrowheads="1"/>
           </p:cNvPicPr>
           <p:nvPr/>
         </p:nvPicPr>
         <p:blipFill>
-          <a:blip r:embed="rId2">
+          <a:blip r:embed="rId1">
             <a:extLst>
               <a:ext uri="{28A0092B-C50C-407E-A947-70E740481C1C}">
                 <a14:useLocalDpi xmlns:a14="http://schemas.microsoft.com/office/drawing/2010/main" val="0"/>
@@ -9190,11 +9059,6 @@
         </p:spPr>
       </p:pic>
     </p:spTree>
-    <p:extLst>
-      <p:ext uri="{BB962C8B-B14F-4D97-AF65-F5344CB8AC3E}">
-        <p14:creationId xmlns:p14="http://schemas.microsoft.com/office/powerpoint/2010/main" val="416655127"/>
-      </p:ext>
-    </p:extLst>
   </p:cSld>
   <p:clrMapOvr>
     <a:masterClrMapping/>
@@ -9245,6 +9109,7 @@
               <a:rPr lang="en-US" dirty="0"/>
               <a:t>Do all Crypto Algorithms Work the Same Way? </a:t>
             </a:r>
+            <a:endParaRPr lang="en-US" dirty="0"/>
           </a:p>
         </p:txBody>
       </p:sp>
@@ -9288,6 +9153,7 @@
               <a:rPr lang="en-US" sz="2800" dirty="0"/>
               <a:t>   3.Hash algorithms </a:t>
             </a:r>
+            <a:endParaRPr lang="en-US" sz="2800" dirty="0"/>
           </a:p>
           <a:p>
             <a:pPr lvl="2"/>
@@ -9295,6 +9161,7 @@
               <a:rPr lang="en-US" sz="2000" dirty="0"/>
               <a:t>A one-way transformation </a:t>
             </a:r>
+            <a:endParaRPr lang="en-US" sz="2000" dirty="0"/>
           </a:p>
           <a:p>
             <a:pPr lvl="3"/>
@@ -9366,6 +9233,7 @@
               <a:rPr lang="en-US" sz="1800" dirty="0"/>
               <a:t>) </a:t>
             </a:r>
+            <a:endParaRPr lang="en-US" sz="1800" dirty="0"/>
           </a:p>
           <a:p>
             <a:pPr lvl="2"/>
@@ -9373,6 +9241,7 @@
               <a:rPr lang="en-US" sz="2000" dirty="0"/>
               <a:t>Gives a fixed length output, whatever the input size is </a:t>
             </a:r>
+            <a:endParaRPr lang="en-US" sz="2000" dirty="0"/>
           </a:p>
           <a:p>
             <a:pPr lvl="3"/>
@@ -9380,6 +9249,7 @@
               <a:rPr lang="en-US" sz="1800" dirty="0"/>
               <a:t>MD5’s is 128, SHA-1’s is 160 </a:t>
             </a:r>
+            <a:endParaRPr lang="en-US" sz="1800" dirty="0"/>
           </a:p>
           <a:p>
             <a:pPr lvl="2"/>
@@ -9387,6 +9257,7 @@
               <a:rPr lang="en-US" sz="2000" dirty="0"/>
               <a:t>The output is sometimes called hash, digest or checksum </a:t>
             </a:r>
+            <a:endParaRPr lang="en-US" sz="2000" dirty="0"/>
           </a:p>
           <a:p>
             <a:pPr lvl="2"/>
@@ -9394,15 +9265,11 @@
               <a:rPr lang="en-US" sz="2000" dirty="0"/>
               <a:t>Many uses in secure systems, one of the most common ones is digital signatures </a:t>
             </a:r>
+            <a:endParaRPr lang="en-US" sz="2000" dirty="0"/>
           </a:p>
         </p:txBody>
       </p:sp>
     </p:spTree>
-    <p:extLst>
-      <p:ext uri="{BB962C8B-B14F-4D97-AF65-F5344CB8AC3E}">
-        <p14:creationId xmlns:p14="http://schemas.microsoft.com/office/powerpoint/2010/main" val="1473293288"/>
-      </p:ext>
-    </p:extLst>
   </p:cSld>
   <p:clrMapOvr>
     <a:masterClrMapping/>
@@ -9429,20 +9296,14 @@
       </p:grpSpPr>
       <p:pic>
         <p:nvPicPr>
-          <p:cNvPr id="1026" name="Picture 2">
-            <a:extLst>
-              <a:ext uri="{FF2B5EF4-FFF2-40B4-BE49-F238E27FC236}">
-                <a16:creationId xmlns:a16="http://schemas.microsoft.com/office/drawing/2014/main" id="{68394B1D-929A-1C4C-A9AB-A5E8EE45DEBB}"/>
-              </a:ext>
-            </a:extLst>
-          </p:cNvPr>
+          <p:cNvPr id="1026" name="Picture 2"/>
           <p:cNvPicPr>
             <a:picLocks noChangeAspect="1" noChangeArrowheads="1"/>
           </p:cNvPicPr>
           <p:nvPr/>
         </p:nvPicPr>
         <p:blipFill>
-          <a:blip r:embed="rId2">
+          <a:blip r:embed="rId1">
             <a:extLst>
               <a:ext uri="{28A0092B-C50C-407E-A947-70E740481C1C}">
                 <a14:useLocalDpi xmlns:a14="http://schemas.microsoft.com/office/drawing/2010/main" val="0"/>
@@ -9475,11 +9336,6 @@
         </p:spPr>
       </p:pic>
     </p:spTree>
-    <p:extLst>
-      <p:ext uri="{BB962C8B-B14F-4D97-AF65-F5344CB8AC3E}">
-        <p14:creationId xmlns:p14="http://schemas.microsoft.com/office/powerpoint/2010/main" val="3978093656"/>
-      </p:ext>
-    </p:extLst>
   </p:cSld>
   <p:clrMapOvr>
     <a:masterClrMapping/>
@@ -9506,20 +9362,14 @@
       </p:grpSpPr>
       <p:pic>
         <p:nvPicPr>
-          <p:cNvPr id="4" name="Picture 4">
-            <a:extLst>
-              <a:ext uri="{FF2B5EF4-FFF2-40B4-BE49-F238E27FC236}">
-                <a16:creationId xmlns:a16="http://schemas.microsoft.com/office/drawing/2014/main" id="{638903AF-3215-E847-8051-DBED14FA14EB}"/>
-              </a:ext>
-            </a:extLst>
-          </p:cNvPr>
+          <p:cNvPr id="4" name="Picture 4"/>
           <p:cNvPicPr>
             <a:picLocks noChangeAspect="1" noChangeArrowheads="1"/>
           </p:cNvPicPr>
           <p:nvPr/>
         </p:nvPicPr>
         <p:blipFill>
-          <a:blip r:embed="rId2">
+          <a:blip r:embed="rId1">
             <a:extLst>
               <a:ext uri="{28A0092B-C50C-407E-A947-70E740481C1C}">
                 <a14:useLocalDpi xmlns:a14="http://schemas.microsoft.com/office/drawing/2010/main" val="0"/>
@@ -9552,11 +9402,6 @@
         </p:spPr>
       </p:pic>
     </p:spTree>
-    <p:extLst>
-      <p:ext uri="{BB962C8B-B14F-4D97-AF65-F5344CB8AC3E}">
-        <p14:creationId xmlns:p14="http://schemas.microsoft.com/office/powerpoint/2010/main" val="1005544732"/>
-      </p:ext>
-    </p:extLst>
   </p:cSld>
   <p:clrMapOvr>
     <a:masterClrMapping/>
@@ -9617,11 +9462,6 @@
         </p:txBody>
       </p:sp>
     </p:spTree>
-    <p:extLst>
-      <p:ext uri="{BB962C8B-B14F-4D97-AF65-F5344CB8AC3E}">
-        <p14:creationId xmlns:p14="http://schemas.microsoft.com/office/powerpoint/2010/main" val="2852500140"/>
-      </p:ext>
-    </p:extLst>
   </p:cSld>
   <p:clrMapOvr>
     <a:masterClrMapping/>
@@ -9648,20 +9488,14 @@
       </p:grpSpPr>
       <p:pic>
         <p:nvPicPr>
-          <p:cNvPr id="2050" name="Picture 2">
-            <a:extLst>
-              <a:ext uri="{FF2B5EF4-FFF2-40B4-BE49-F238E27FC236}">
-                <a16:creationId xmlns:a16="http://schemas.microsoft.com/office/drawing/2014/main" id="{99E7D1F3-C3C0-B146-916A-F26E6DB9AAF3}"/>
-              </a:ext>
-            </a:extLst>
-          </p:cNvPr>
+          <p:cNvPr id="2050" name="Picture 2"/>
           <p:cNvPicPr>
             <a:picLocks noChangeAspect="1" noChangeArrowheads="1"/>
           </p:cNvPicPr>
           <p:nvPr/>
         </p:nvPicPr>
         <p:blipFill>
-          <a:blip r:embed="rId2">
+          <a:blip r:embed="rId1">
             <a:extLst>
               <a:ext uri="{28A0092B-C50C-407E-A947-70E740481C1C}">
                 <a14:useLocalDpi xmlns:a14="http://schemas.microsoft.com/office/drawing/2010/main" val="0"/>
@@ -9694,11 +9528,6 @@
         </p:spPr>
       </p:pic>
     </p:spTree>
-    <p:extLst>
-      <p:ext uri="{BB962C8B-B14F-4D97-AF65-F5344CB8AC3E}">
-        <p14:creationId xmlns:p14="http://schemas.microsoft.com/office/powerpoint/2010/main" val="656173414"/>
-      </p:ext>
-    </p:extLst>
   </p:cSld>
   <p:clrMapOvr>
     <a:masterClrMapping/>
@@ -9744,6 +9573,7 @@
               <a:rPr lang="en-US" dirty="0"/>
               <a:t>What is Cryptography? </a:t>
             </a:r>
+            <a:endParaRPr lang="en-US" dirty="0"/>
           </a:p>
         </p:txBody>
       </p:sp>
@@ -9773,6 +9603,7 @@
               <a:rPr lang="en-US" sz="2800" dirty="0"/>
               <a:t>Is a Greek word </a:t>
             </a:r>
+            <a:endParaRPr lang="en-US" sz="2800" dirty="0"/>
           </a:p>
           <a:p>
             <a:pPr lvl="1"/>
@@ -9780,6 +9611,7 @@
               <a:rPr lang="fr-FR" sz="2400" dirty="0"/>
               <a:t>𝜅𝜌𝜐𝜋𝜏𝜊 (crypto), secret </a:t>
             </a:r>
+            <a:endParaRPr lang="fr-FR" sz="2400" dirty="0"/>
           </a:p>
           <a:p>
             <a:pPr lvl="1"/>
@@ -9795,6 +9627,7 @@
               <a:rPr lang="en-US" sz="2400" dirty="0"/>
               <a:t>), writing </a:t>
             </a:r>
+            <a:endParaRPr lang="en-US" sz="2400" dirty="0"/>
           </a:p>
           <a:p>
             <a:r>
@@ -9809,6 +9642,7 @@
               <a:rPr lang="en-US" sz="2800" dirty="0"/>
               <a:t>” </a:t>
             </a:r>
+            <a:endParaRPr lang="en-US" sz="2800" dirty="0"/>
           </a:p>
           <a:p>
             <a:r>
@@ -9831,6 +9665,7 @@
               <a:rPr lang="en-US" sz="2800" dirty="0"/>
               <a:t> and vice versa </a:t>
             </a:r>
+            <a:endParaRPr lang="en-US" sz="2800" dirty="0"/>
           </a:p>
           <a:p>
             <a:pPr marL="114300" indent="0">
@@ -9860,6 +9695,7 @@
               <a:rPr lang="en-US" sz="2800" dirty="0"/>
               <a:t> = encryption </a:t>
             </a:r>
+            <a:endParaRPr lang="en-US" sz="2800" dirty="0"/>
           </a:p>
           <a:p>
             <a:pPr marL="114300" indent="0">
@@ -9889,18 +9725,14 @@
               <a:rPr lang="en-US" sz="2800" dirty="0"/>
               <a:t>plaintext = decryption </a:t>
             </a:r>
-          </a:p>
-          <a:p>
             <a:endParaRPr lang="en-US" sz="2800" dirty="0"/>
           </a:p>
+          <a:p>
+            <a:endParaRPr lang="en-US" sz="2800" dirty="0"/>
+          </a:p>
         </p:txBody>
       </p:sp>
     </p:spTree>
-    <p:extLst>
-      <p:ext uri="{BB962C8B-B14F-4D97-AF65-F5344CB8AC3E}">
-        <p14:creationId xmlns:p14="http://schemas.microsoft.com/office/powerpoint/2010/main" val="4117671746"/>
-      </p:ext>
-    </p:extLst>
   </p:cSld>
   <p:clrMapOvr>
     <a:masterClrMapping/>
@@ -9927,20 +9759,14 @@
       </p:grpSpPr>
       <p:pic>
         <p:nvPicPr>
-          <p:cNvPr id="1026" name="Picture 2">
-            <a:extLst>
-              <a:ext uri="{FF2B5EF4-FFF2-40B4-BE49-F238E27FC236}">
-                <a16:creationId xmlns:a16="http://schemas.microsoft.com/office/drawing/2014/main" id="{87F68C23-8586-EF4D-8F77-6F416F2460BF}"/>
-              </a:ext>
-            </a:extLst>
-          </p:cNvPr>
+          <p:cNvPr id="1026" name="Picture 2"/>
           <p:cNvPicPr>
             <a:picLocks noChangeAspect="1" noChangeArrowheads="1"/>
           </p:cNvPicPr>
           <p:nvPr/>
         </p:nvPicPr>
         <p:blipFill rotWithShape="1">
-          <a:blip r:embed="rId2">
+          <a:blip r:embed="rId1">
             <a:extLst>
               <a:ext uri="{28A0092B-C50C-407E-A947-70E740481C1C}">
                 <a14:useLocalDpi xmlns:a14="http://schemas.microsoft.com/office/drawing/2010/main" val="0"/>
@@ -9948,7 +9774,9 @@
             </a:extLst>
           </a:blip>
           <a:srcRect b="19797"/>
-          <a:stretch/>
+          <a:stretch>
+            <a:fillRect/>
+          </a:stretch>
         </p:blipFill>
         <p:spPr bwMode="auto">
           <a:xfrm>
@@ -9972,20 +9800,14 @@
       </p:pic>
       <p:pic>
         <p:nvPicPr>
-          <p:cNvPr id="1028" name="Picture 4">
-            <a:extLst>
-              <a:ext uri="{FF2B5EF4-FFF2-40B4-BE49-F238E27FC236}">
-                <a16:creationId xmlns:a16="http://schemas.microsoft.com/office/drawing/2014/main" id="{B623C61B-8CA7-434A-8E55-2DC2143A6495}"/>
-              </a:ext>
-            </a:extLst>
-          </p:cNvPr>
+          <p:cNvPr id="1028" name="Picture 4"/>
           <p:cNvPicPr>
             <a:picLocks noChangeAspect="1" noChangeArrowheads="1"/>
           </p:cNvPicPr>
           <p:nvPr/>
         </p:nvPicPr>
         <p:blipFill>
-          <a:blip r:embed="rId3">
+          <a:blip r:embed="rId2">
             <a:extLst>
               <a:ext uri="{28A0092B-C50C-407E-A947-70E740481C1C}">
                 <a14:useLocalDpi xmlns:a14="http://schemas.microsoft.com/office/drawing/2010/main" val="0"/>
@@ -10018,11 +9840,6 @@
         </p:spPr>
       </p:pic>
     </p:spTree>
-    <p:extLst>
-      <p:ext uri="{BB962C8B-B14F-4D97-AF65-F5344CB8AC3E}">
-        <p14:creationId xmlns:p14="http://schemas.microsoft.com/office/powerpoint/2010/main" val="1686607509"/>
-      </p:ext>
-    </p:extLst>
   </p:cSld>
   <p:clrMapOvr>
     <a:masterClrMapping/>
@@ -10073,6 +9890,7 @@
               <a:rPr lang="en-US" dirty="0"/>
               <a:t>Why Cryptography? </a:t>
             </a:r>
+            <a:endParaRPr lang="en-US" dirty="0"/>
           </a:p>
         </p:txBody>
       </p:sp>
@@ -10102,18 +9920,21 @@
               <a:rPr lang="en-US" sz="3600" dirty="0"/>
               <a:t>Protects stored data </a:t>
             </a:r>
+            <a:endParaRPr lang="en-US" sz="3600" dirty="0"/>
           </a:p>
           <a:p>
             <a:r>
               <a:rPr lang="en-US" sz="3600" dirty="0"/>
               <a:t>Protects data in transit </a:t>
             </a:r>
+            <a:endParaRPr lang="en-US" sz="3600" dirty="0"/>
           </a:p>
           <a:p>
             <a:r>
               <a:rPr lang="en-US" sz="3600" dirty="0"/>
               <a:t>Provides protection against </a:t>
             </a:r>
+            <a:endParaRPr lang="en-US" sz="3600" dirty="0"/>
           </a:p>
           <a:p>
             <a:pPr lvl="1"/>
@@ -10121,6 +9942,7 @@
               <a:rPr lang="en-US" sz="3200" dirty="0"/>
               <a:t>Data eavesdropping </a:t>
             </a:r>
+            <a:endParaRPr lang="en-US" sz="3200" dirty="0"/>
           </a:p>
           <a:p>
             <a:pPr lvl="1"/>
@@ -10128,21 +9950,18 @@
               <a:rPr lang="en-US" sz="3200" dirty="0"/>
               <a:t>Tampering with data </a:t>
             </a:r>
+            <a:endParaRPr lang="en-US" sz="3200" dirty="0"/>
           </a:p>
           <a:p>
             <a:r>
               <a:rPr lang="en-US" sz="3600" dirty="0"/>
               <a:t>Could be easily used for authentication purposes</a:t>
             </a:r>
+            <a:endParaRPr lang="en-US" sz="3600" dirty="0"/>
           </a:p>
         </p:txBody>
       </p:sp>
     </p:spTree>
-    <p:extLst>
-      <p:ext uri="{BB962C8B-B14F-4D97-AF65-F5344CB8AC3E}">
-        <p14:creationId xmlns:p14="http://schemas.microsoft.com/office/powerpoint/2010/main" val="1000677058"/>
-      </p:ext>
-    </p:extLst>
   </p:cSld>
   <p:clrMapOvr>
     <a:masterClrMapping/>
@@ -10193,6 +10012,7 @@
               <a:rPr lang="en-US" dirty="0"/>
               <a:t>Any terminology at all? </a:t>
             </a:r>
+            <a:endParaRPr lang="en-US" dirty="0"/>
           </a:p>
         </p:txBody>
       </p:sp>
@@ -10226,12 +10046,14 @@
               <a:rPr lang="en-US" sz="2800" dirty="0"/>
               <a:t> ! </a:t>
             </a:r>
+            <a:endParaRPr lang="en-US" sz="2800" dirty="0"/>
           </a:p>
           <a:p>
             <a:r>
               <a:rPr lang="en-US" sz="2800" dirty="0"/>
               <a:t>Cryptography </a:t>
             </a:r>
+            <a:endParaRPr lang="en-US" sz="2800" dirty="0"/>
           </a:p>
           <a:p>
             <a:pPr lvl="1"/>
@@ -10239,12 +10061,14 @@
               <a:rPr lang="en-US" sz="2400" dirty="0"/>
               <a:t>art of creating and using codes to secure transmission of information </a:t>
             </a:r>
+            <a:endParaRPr lang="en-US" sz="2400" dirty="0"/>
           </a:p>
           <a:p>
             <a:r>
               <a:rPr lang="en-US" sz="2800" dirty="0"/>
               <a:t>Cryptanalysis </a:t>
             </a:r>
+            <a:endParaRPr lang="en-US" sz="2800" dirty="0"/>
           </a:p>
           <a:p>
             <a:pPr lvl="1"/>
@@ -10260,12 +10084,14 @@
               <a:rPr lang="en-US" sz="2400" dirty="0"/>
               <a:t> without access to secret information (key or algorithm itself) </a:t>
             </a:r>
+            <a:endParaRPr lang="en-US" sz="2400" dirty="0"/>
           </a:p>
           <a:p>
             <a:r>
               <a:rPr lang="en-US" sz="2800" dirty="0"/>
               <a:t>Cryptology </a:t>
             </a:r>
+            <a:endParaRPr lang="en-US" sz="2800" dirty="0"/>
           </a:p>
           <a:p>
             <a:pPr lvl="1"/>
@@ -10273,15 +10099,11 @@
               <a:rPr lang="en-US" sz="2400" dirty="0"/>
               <a:t>combines cryptography and cryptanalysis</a:t>
             </a:r>
+            <a:endParaRPr lang="en-US" sz="2400" dirty="0"/>
           </a:p>
         </p:txBody>
       </p:sp>
     </p:spTree>
-    <p:extLst>
-      <p:ext uri="{BB962C8B-B14F-4D97-AF65-F5344CB8AC3E}">
-        <p14:creationId xmlns:p14="http://schemas.microsoft.com/office/powerpoint/2010/main" val="360489545"/>
-      </p:ext>
-    </p:extLst>
   </p:cSld>
   <p:clrMapOvr>
     <a:masterClrMapping/>
@@ -10308,20 +10130,14 @@
       </p:grpSpPr>
       <p:pic>
         <p:nvPicPr>
-          <p:cNvPr id="2050" name="Picture 2">
-            <a:extLst>
-              <a:ext uri="{FF2B5EF4-FFF2-40B4-BE49-F238E27FC236}">
-                <a16:creationId xmlns:a16="http://schemas.microsoft.com/office/drawing/2014/main" id="{9497010A-BA15-934E-A37B-2168416223EC}"/>
-              </a:ext>
-            </a:extLst>
-          </p:cNvPr>
+          <p:cNvPr id="2050" name="Picture 2"/>
           <p:cNvPicPr>
             <a:picLocks noChangeAspect="1" noChangeArrowheads="1"/>
           </p:cNvPicPr>
           <p:nvPr/>
         </p:nvPicPr>
         <p:blipFill>
-          <a:blip r:embed="rId2">
+          <a:blip r:embed="rId1">
             <a:extLst>
               <a:ext uri="{28A0092B-C50C-407E-A947-70E740481C1C}">
                 <a14:useLocalDpi xmlns:a14="http://schemas.microsoft.com/office/drawing/2010/main" val="0"/>
@@ -10354,11 +10170,6 @@
         </p:spPr>
       </p:pic>
     </p:spTree>
-    <p:extLst>
-      <p:ext uri="{BB962C8B-B14F-4D97-AF65-F5344CB8AC3E}">
-        <p14:creationId xmlns:p14="http://schemas.microsoft.com/office/powerpoint/2010/main" val="2993853231"/>
-      </p:ext>
-    </p:extLst>
   </p:cSld>
   <p:clrMapOvr>
     <a:masterClrMapping/>
@@ -10409,7 +10220,7 @@
     </a:clrScheme>
     <a:fontScheme name="Droplet">
       <a:majorFont>
-        <a:latin typeface="Tw Cen MT" panose="020B0602020104020603"/>
+        <a:latin typeface="Tw Cen MT"/>
         <a:ea typeface=""/>
         <a:cs typeface=""/>
         <a:font script="Jpan" typeface="ＭＳ Ｐゴシック"/>
@@ -10444,7 +10255,7 @@
         <a:font script="Geor" typeface="Sylfaen"/>
       </a:majorFont>
       <a:minorFont>
-        <a:latin typeface="Tw Cen MT" panose="020B0602020104020603"/>
+        <a:latin typeface="Tw Cen MT"/>
         <a:ea typeface=""/>
         <a:cs typeface=""/>
         <a:font script="Jpan" typeface="ＭＳ Ｐゴシック"/>
@@ -10620,11 +10431,9 @@
       </a:bgFillStyleLst>
     </a:fmtScheme>
   </a:themeElements>
-  <a:objectDefaults/>
-  <a:extraClrSchemeLst/>
   <a:extLst>
     <a:ext uri="{05A4C25C-085E-4340-85A3-A5531E510DB2}">
-      <thm15:themeFamily xmlns:thm15="http://schemas.microsoft.com/office/thememl/2012/main" name="Droplet" id="{8984A317-299A-4E50-B45D-BFC9EDE2337A}" vid="{A633B6A3-9E7F-4C10-9C98-2517A3134361}"/>
+      <thm15:themeFamily xmlns:thm15="http://schemas.microsoft.com/office/thememl/2012/main" name="Office Theme" id="{62F939B6-93AF-4DB8-9C6B-D6C7DFDC589F}" vid="{4A3C46E8-61CC-4603-A589-7422A47A8E4A}"/>
     </a:ext>
   </a:extLst>
 </a:theme>
